--- a/ee212/3_Arduino_programs.pptx
+++ b/ee212/3_Arduino_programs.pptx
@@ -232,7 +232,7 @@
           <a:p>
             <a:fld id="{E96BBAA3-9624-40DF-B78C-5CA3C9E9589D}" type="datetimeFigureOut">
               <a:rPr lang="en-US" smtClean="0"/>
-              <a:t>9/27/2018</a:t>
+              <a:t>9/25/20</a:t>
             </a:fld>
             <a:endParaRPr lang="en-US"/>
           </a:p>
@@ -296,35 +296,35 @@
           <a:p>
             <a:pPr lvl="0"/>
             <a:r>
-              <a:rPr lang="ko-KR" altLang="en-US" smtClean="0"/>
+              <a:rPr lang="ko-KR" altLang="en-US"/>
               <a:t>마스터 텍스트 스타일 편집</a:t>
             </a:r>
           </a:p>
           <a:p>
             <a:pPr lvl="1"/>
             <a:r>
-              <a:rPr lang="ko-KR" altLang="en-US" smtClean="0"/>
+              <a:rPr lang="ko-KR" altLang="en-US"/>
               <a:t>둘째 수준</a:t>
             </a:r>
           </a:p>
           <a:p>
             <a:pPr lvl="2"/>
             <a:r>
-              <a:rPr lang="ko-KR" altLang="en-US" smtClean="0"/>
+              <a:rPr lang="ko-KR" altLang="en-US"/>
               <a:t>셋째 수준</a:t>
             </a:r>
           </a:p>
           <a:p>
             <a:pPr lvl="3"/>
             <a:r>
-              <a:rPr lang="ko-KR" altLang="en-US" smtClean="0"/>
+              <a:rPr lang="ko-KR" altLang="en-US"/>
               <a:t>넷째 수준</a:t>
             </a:r>
           </a:p>
           <a:p>
             <a:pPr lvl="4"/>
             <a:r>
-              <a:rPr lang="ko-KR" altLang="en-US" smtClean="0"/>
+              <a:rPr lang="ko-KR" altLang="en-US"/>
               <a:t>다섯째 수준</a:t>
             </a:r>
             <a:endParaRPr lang="en-US"/>
@@ -542,7 +542,7 @@
           </a:lstStyle>
           <a:p>
             <a:r>
-              <a:rPr lang="ko-KR" altLang="en-US" smtClean="0"/>
+              <a:rPr lang="ko-KR" altLang="en-US"/>
               <a:t>마스터 제목 스타일 편집</a:t>
             </a:r>
             <a:endParaRPr lang="en-US"/>
@@ -607,7 +607,7 @@
           </a:lstStyle>
           <a:p>
             <a:r>
-              <a:rPr lang="ko-KR" altLang="en-US" smtClean="0"/>
+              <a:rPr lang="ko-KR" altLang="en-US"/>
               <a:t>클릭하여 마스터 부제목 스타일 편집</a:t>
             </a:r>
             <a:endParaRPr lang="en-US"/>
@@ -631,7 +631,7 @@
           <a:p>
             <a:fld id="{011190B6-A6AE-4299-9E16-4066EE7EFB70}" type="datetime1">
               <a:rPr lang="en-US" smtClean="0"/>
-              <a:t>9/27/2018</a:t>
+              <a:t>9/25/20</a:t>
             </a:fld>
             <a:endParaRPr lang="en-US"/>
           </a:p>
@@ -725,7 +725,7 @@
           <a:lstStyle/>
           <a:p>
             <a:r>
-              <a:rPr lang="ko-KR" altLang="en-US" smtClean="0"/>
+              <a:rPr lang="ko-KR" altLang="en-US"/>
               <a:t>마스터 제목 스타일 편집</a:t>
             </a:r>
             <a:endParaRPr lang="en-US"/>
@@ -749,35 +749,35 @@
           <a:p>
             <a:pPr lvl="0"/>
             <a:r>
-              <a:rPr lang="ko-KR" altLang="en-US" smtClean="0"/>
+              <a:rPr lang="ko-KR" altLang="en-US"/>
               <a:t>마스터 텍스트 스타일 편집</a:t>
             </a:r>
           </a:p>
           <a:p>
             <a:pPr lvl="1"/>
             <a:r>
-              <a:rPr lang="ko-KR" altLang="en-US" smtClean="0"/>
+              <a:rPr lang="ko-KR" altLang="en-US"/>
               <a:t>둘째 수준</a:t>
             </a:r>
           </a:p>
           <a:p>
             <a:pPr lvl="2"/>
             <a:r>
-              <a:rPr lang="ko-KR" altLang="en-US" smtClean="0"/>
+              <a:rPr lang="ko-KR" altLang="en-US"/>
               <a:t>셋째 수준</a:t>
             </a:r>
           </a:p>
           <a:p>
             <a:pPr lvl="3"/>
             <a:r>
-              <a:rPr lang="ko-KR" altLang="en-US" smtClean="0"/>
+              <a:rPr lang="ko-KR" altLang="en-US"/>
               <a:t>넷째 수준</a:t>
             </a:r>
           </a:p>
           <a:p>
             <a:pPr lvl="4"/>
             <a:r>
-              <a:rPr lang="ko-KR" altLang="en-US" smtClean="0"/>
+              <a:rPr lang="ko-KR" altLang="en-US"/>
               <a:t>다섯째 수준</a:t>
             </a:r>
             <a:endParaRPr lang="en-US"/>
@@ -801,7 +801,7 @@
           <a:p>
             <a:fld id="{DD2183E5-41BD-4B21-9BAB-07DAF9192C84}" type="datetime1">
               <a:rPr lang="en-US" smtClean="0"/>
-              <a:t>9/27/2018</a:t>
+              <a:t>9/25/20</a:t>
             </a:fld>
             <a:endParaRPr lang="en-US"/>
           </a:p>
@@ -900,7 +900,7 @@
           <a:lstStyle/>
           <a:p>
             <a:r>
-              <a:rPr lang="ko-KR" altLang="en-US" smtClean="0"/>
+              <a:rPr lang="ko-KR" altLang="en-US"/>
               <a:t>마스터 제목 스타일 편집</a:t>
             </a:r>
             <a:endParaRPr lang="en-US"/>
@@ -929,35 +929,35 @@
           <a:p>
             <a:pPr lvl="0"/>
             <a:r>
-              <a:rPr lang="ko-KR" altLang="en-US" smtClean="0"/>
+              <a:rPr lang="ko-KR" altLang="en-US"/>
               <a:t>마스터 텍스트 스타일 편집</a:t>
             </a:r>
           </a:p>
           <a:p>
             <a:pPr lvl="1"/>
             <a:r>
-              <a:rPr lang="ko-KR" altLang="en-US" smtClean="0"/>
+              <a:rPr lang="ko-KR" altLang="en-US"/>
               <a:t>둘째 수준</a:t>
             </a:r>
           </a:p>
           <a:p>
             <a:pPr lvl="2"/>
             <a:r>
-              <a:rPr lang="ko-KR" altLang="en-US" smtClean="0"/>
+              <a:rPr lang="ko-KR" altLang="en-US"/>
               <a:t>셋째 수준</a:t>
             </a:r>
           </a:p>
           <a:p>
             <a:pPr lvl="3"/>
             <a:r>
-              <a:rPr lang="ko-KR" altLang="en-US" smtClean="0"/>
+              <a:rPr lang="ko-KR" altLang="en-US"/>
               <a:t>넷째 수준</a:t>
             </a:r>
           </a:p>
           <a:p>
             <a:pPr lvl="4"/>
             <a:r>
-              <a:rPr lang="ko-KR" altLang="en-US" smtClean="0"/>
+              <a:rPr lang="ko-KR" altLang="en-US"/>
               <a:t>다섯째 수준</a:t>
             </a:r>
             <a:endParaRPr lang="en-US"/>
@@ -981,7 +981,7 @@
           <a:p>
             <a:fld id="{288DC4BD-F5C5-4B14-AE6E-3E20152BD197}" type="datetime1">
               <a:rPr lang="en-US" smtClean="0"/>
-              <a:t>9/27/2018</a:t>
+              <a:t>9/25/20</a:t>
             </a:fld>
             <a:endParaRPr lang="en-US"/>
           </a:p>
@@ -1075,7 +1075,7 @@
           <a:lstStyle/>
           <a:p>
             <a:r>
-              <a:rPr lang="ko-KR" altLang="en-US" smtClean="0"/>
+              <a:rPr lang="ko-KR" altLang="en-US"/>
               <a:t>마스터 제목 스타일 편집</a:t>
             </a:r>
             <a:endParaRPr lang="en-US"/>
@@ -1099,35 +1099,35 @@
           <a:p>
             <a:pPr lvl="0"/>
             <a:r>
-              <a:rPr lang="ko-KR" altLang="en-US" smtClean="0"/>
+              <a:rPr lang="ko-KR" altLang="en-US"/>
               <a:t>마스터 텍스트 스타일 편집</a:t>
             </a:r>
           </a:p>
           <a:p>
             <a:pPr lvl="1"/>
             <a:r>
-              <a:rPr lang="ko-KR" altLang="en-US" smtClean="0"/>
+              <a:rPr lang="ko-KR" altLang="en-US"/>
               <a:t>둘째 수준</a:t>
             </a:r>
           </a:p>
           <a:p>
             <a:pPr lvl="2"/>
             <a:r>
-              <a:rPr lang="ko-KR" altLang="en-US" smtClean="0"/>
+              <a:rPr lang="ko-KR" altLang="en-US"/>
               <a:t>셋째 수준</a:t>
             </a:r>
           </a:p>
           <a:p>
             <a:pPr lvl="3"/>
             <a:r>
-              <a:rPr lang="ko-KR" altLang="en-US" smtClean="0"/>
+              <a:rPr lang="ko-KR" altLang="en-US"/>
               <a:t>넷째 수준</a:t>
             </a:r>
           </a:p>
           <a:p>
             <a:pPr lvl="4"/>
             <a:r>
-              <a:rPr lang="ko-KR" altLang="en-US" smtClean="0"/>
+              <a:rPr lang="ko-KR" altLang="en-US"/>
               <a:t>다섯째 수준</a:t>
             </a:r>
             <a:endParaRPr lang="en-US"/>
@@ -1151,7 +1151,7 @@
           <a:p>
             <a:fld id="{AB370C72-5321-4B17-9827-6BEB7956FD2B}" type="datetime1">
               <a:rPr lang="en-US" smtClean="0"/>
-              <a:t>9/27/2018</a:t>
+              <a:t>9/25/20</a:t>
             </a:fld>
             <a:endParaRPr lang="en-US"/>
           </a:p>
@@ -1254,7 +1254,7 @@
           </a:lstStyle>
           <a:p>
             <a:r>
-              <a:rPr lang="ko-KR" altLang="en-US" smtClean="0"/>
+              <a:rPr lang="ko-KR" altLang="en-US"/>
               <a:t>마스터 제목 스타일 편집</a:t>
             </a:r>
             <a:endParaRPr lang="en-US"/>
@@ -1374,7 +1374,7 @@
           <a:p>
             <a:pPr lvl="0"/>
             <a:r>
-              <a:rPr lang="ko-KR" altLang="en-US" smtClean="0"/>
+              <a:rPr lang="ko-KR" altLang="en-US"/>
               <a:t>마스터 텍스트 스타일 편집</a:t>
             </a:r>
           </a:p>
@@ -1397,7 +1397,7 @@
           <a:p>
             <a:fld id="{2A01D745-C9E3-4E47-9399-E67572D09D5C}" type="datetime1">
               <a:rPr lang="en-US" smtClean="0"/>
-              <a:t>9/27/2018</a:t>
+              <a:t>9/25/20</a:t>
             </a:fld>
             <a:endParaRPr lang="en-US"/>
           </a:p>
@@ -1491,7 +1491,7 @@
           <a:lstStyle/>
           <a:p>
             <a:r>
-              <a:rPr lang="ko-KR" altLang="en-US" smtClean="0"/>
+              <a:rPr lang="ko-KR" altLang="en-US"/>
               <a:t>마스터 제목 스타일 편집</a:t>
             </a:r>
             <a:endParaRPr lang="en-US"/>
@@ -1520,35 +1520,35 @@
           <a:p>
             <a:pPr lvl="0"/>
             <a:r>
-              <a:rPr lang="ko-KR" altLang="en-US" smtClean="0"/>
+              <a:rPr lang="ko-KR" altLang="en-US"/>
               <a:t>마스터 텍스트 스타일 편집</a:t>
             </a:r>
           </a:p>
           <a:p>
             <a:pPr lvl="1"/>
             <a:r>
-              <a:rPr lang="ko-KR" altLang="en-US" smtClean="0"/>
+              <a:rPr lang="ko-KR" altLang="en-US"/>
               <a:t>둘째 수준</a:t>
             </a:r>
           </a:p>
           <a:p>
             <a:pPr lvl="2"/>
             <a:r>
-              <a:rPr lang="ko-KR" altLang="en-US" smtClean="0"/>
+              <a:rPr lang="ko-KR" altLang="en-US"/>
               <a:t>셋째 수준</a:t>
             </a:r>
           </a:p>
           <a:p>
             <a:pPr lvl="3"/>
             <a:r>
-              <a:rPr lang="ko-KR" altLang="en-US" smtClean="0"/>
+              <a:rPr lang="ko-KR" altLang="en-US"/>
               <a:t>넷째 수준</a:t>
             </a:r>
           </a:p>
           <a:p>
             <a:pPr lvl="4"/>
             <a:r>
-              <a:rPr lang="ko-KR" altLang="en-US" smtClean="0"/>
+              <a:rPr lang="ko-KR" altLang="en-US"/>
               <a:t>다섯째 수준</a:t>
             </a:r>
             <a:endParaRPr lang="en-US"/>
@@ -1577,35 +1577,35 @@
           <a:p>
             <a:pPr lvl="0"/>
             <a:r>
-              <a:rPr lang="ko-KR" altLang="en-US" smtClean="0"/>
+              <a:rPr lang="ko-KR" altLang="en-US"/>
               <a:t>마스터 텍스트 스타일 편집</a:t>
             </a:r>
           </a:p>
           <a:p>
             <a:pPr lvl="1"/>
             <a:r>
-              <a:rPr lang="ko-KR" altLang="en-US" smtClean="0"/>
+              <a:rPr lang="ko-KR" altLang="en-US"/>
               <a:t>둘째 수준</a:t>
             </a:r>
           </a:p>
           <a:p>
             <a:pPr lvl="2"/>
             <a:r>
-              <a:rPr lang="ko-KR" altLang="en-US" smtClean="0"/>
+              <a:rPr lang="ko-KR" altLang="en-US"/>
               <a:t>셋째 수준</a:t>
             </a:r>
           </a:p>
           <a:p>
             <a:pPr lvl="3"/>
             <a:r>
-              <a:rPr lang="ko-KR" altLang="en-US" smtClean="0"/>
+              <a:rPr lang="ko-KR" altLang="en-US"/>
               <a:t>넷째 수준</a:t>
             </a:r>
           </a:p>
           <a:p>
             <a:pPr lvl="4"/>
             <a:r>
-              <a:rPr lang="ko-KR" altLang="en-US" smtClean="0"/>
+              <a:rPr lang="ko-KR" altLang="en-US"/>
               <a:t>다섯째 수준</a:t>
             </a:r>
             <a:endParaRPr lang="en-US"/>
@@ -1629,7 +1629,7 @@
           <a:p>
             <a:fld id="{1ED7629E-F318-4B53-8480-C9C5158FF962}" type="datetime1">
               <a:rPr lang="en-US" smtClean="0"/>
-              <a:t>9/27/2018</a:t>
+              <a:t>9/25/20</a:t>
             </a:fld>
             <a:endParaRPr lang="en-US"/>
           </a:p>
@@ -1728,7 +1728,7 @@
           <a:lstStyle/>
           <a:p>
             <a:r>
-              <a:rPr lang="ko-KR" altLang="en-US" smtClean="0"/>
+              <a:rPr lang="ko-KR" altLang="en-US"/>
               <a:t>마스터 제목 스타일 편집</a:t>
             </a:r>
             <a:endParaRPr lang="en-US"/>
@@ -1794,7 +1794,7 @@
           <a:p>
             <a:pPr lvl="0"/>
             <a:r>
-              <a:rPr lang="ko-KR" altLang="en-US" smtClean="0"/>
+              <a:rPr lang="ko-KR" altLang="en-US"/>
               <a:t>마스터 텍스트 스타일 편집</a:t>
             </a:r>
           </a:p>
@@ -1822,35 +1822,35 @@
           <a:p>
             <a:pPr lvl="0"/>
             <a:r>
-              <a:rPr lang="ko-KR" altLang="en-US" smtClean="0"/>
+              <a:rPr lang="ko-KR" altLang="en-US"/>
               <a:t>마스터 텍스트 스타일 편집</a:t>
             </a:r>
           </a:p>
           <a:p>
             <a:pPr lvl="1"/>
             <a:r>
-              <a:rPr lang="ko-KR" altLang="en-US" smtClean="0"/>
+              <a:rPr lang="ko-KR" altLang="en-US"/>
               <a:t>둘째 수준</a:t>
             </a:r>
           </a:p>
           <a:p>
             <a:pPr lvl="2"/>
             <a:r>
-              <a:rPr lang="ko-KR" altLang="en-US" smtClean="0"/>
+              <a:rPr lang="ko-KR" altLang="en-US"/>
               <a:t>셋째 수준</a:t>
             </a:r>
           </a:p>
           <a:p>
             <a:pPr lvl="3"/>
             <a:r>
-              <a:rPr lang="ko-KR" altLang="en-US" smtClean="0"/>
+              <a:rPr lang="ko-KR" altLang="en-US"/>
               <a:t>넷째 수준</a:t>
             </a:r>
           </a:p>
           <a:p>
             <a:pPr lvl="4"/>
             <a:r>
-              <a:rPr lang="ko-KR" altLang="en-US" smtClean="0"/>
+              <a:rPr lang="ko-KR" altLang="en-US"/>
               <a:t>다섯째 수준</a:t>
             </a:r>
             <a:endParaRPr lang="en-US"/>
@@ -1916,7 +1916,7 @@
           <a:p>
             <a:pPr lvl="0"/>
             <a:r>
-              <a:rPr lang="ko-KR" altLang="en-US" smtClean="0"/>
+              <a:rPr lang="ko-KR" altLang="en-US"/>
               <a:t>마스터 텍스트 스타일 편집</a:t>
             </a:r>
           </a:p>
@@ -1944,35 +1944,35 @@
           <a:p>
             <a:pPr lvl="0"/>
             <a:r>
-              <a:rPr lang="ko-KR" altLang="en-US" smtClean="0"/>
+              <a:rPr lang="ko-KR" altLang="en-US"/>
               <a:t>마스터 텍스트 스타일 편집</a:t>
             </a:r>
           </a:p>
           <a:p>
             <a:pPr lvl="1"/>
             <a:r>
-              <a:rPr lang="ko-KR" altLang="en-US" smtClean="0"/>
+              <a:rPr lang="ko-KR" altLang="en-US"/>
               <a:t>둘째 수준</a:t>
             </a:r>
           </a:p>
           <a:p>
             <a:pPr lvl="2"/>
             <a:r>
-              <a:rPr lang="ko-KR" altLang="en-US" smtClean="0"/>
+              <a:rPr lang="ko-KR" altLang="en-US"/>
               <a:t>셋째 수준</a:t>
             </a:r>
           </a:p>
           <a:p>
             <a:pPr lvl="3"/>
             <a:r>
-              <a:rPr lang="ko-KR" altLang="en-US" smtClean="0"/>
+              <a:rPr lang="ko-KR" altLang="en-US"/>
               <a:t>넷째 수준</a:t>
             </a:r>
           </a:p>
           <a:p>
             <a:pPr lvl="4"/>
             <a:r>
-              <a:rPr lang="ko-KR" altLang="en-US" smtClean="0"/>
+              <a:rPr lang="ko-KR" altLang="en-US"/>
               <a:t>다섯째 수준</a:t>
             </a:r>
             <a:endParaRPr lang="en-US"/>
@@ -1996,7 +1996,7 @@
           <a:p>
             <a:fld id="{5D363C27-5B3C-463E-87DA-04CD1E8CFC15}" type="datetime1">
               <a:rPr lang="en-US" smtClean="0"/>
-              <a:t>9/27/2018</a:t>
+              <a:t>9/25/20</a:t>
             </a:fld>
             <a:endParaRPr lang="en-US"/>
           </a:p>
@@ -2090,7 +2090,7 @@
           <a:lstStyle/>
           <a:p>
             <a:r>
-              <a:rPr lang="ko-KR" altLang="en-US" smtClean="0"/>
+              <a:rPr lang="ko-KR" altLang="en-US"/>
               <a:t>마스터 제목 스타일 편집</a:t>
             </a:r>
             <a:endParaRPr lang="en-US"/>
@@ -2114,7 +2114,7 @@
           <a:p>
             <a:fld id="{AD839744-31F7-496B-AB9F-3E5856C773F0}" type="datetime1">
               <a:rPr lang="en-US" smtClean="0"/>
-              <a:t>9/27/2018</a:t>
+              <a:t>9/25/20</a:t>
             </a:fld>
             <a:endParaRPr lang="en-US"/>
           </a:p>
@@ -2209,7 +2209,7 @@
           <a:p>
             <a:fld id="{37E439DA-6325-400F-A103-B2A329B4EB4F}" type="datetime1">
               <a:rPr lang="en-US" smtClean="0"/>
-              <a:t>9/27/2018</a:t>
+              <a:t>9/25/20</a:t>
             </a:fld>
             <a:endParaRPr lang="en-US"/>
           </a:p>
@@ -2312,7 +2312,7 @@
           </a:lstStyle>
           <a:p>
             <a:r>
-              <a:rPr lang="ko-KR" altLang="en-US" smtClean="0"/>
+              <a:rPr lang="ko-KR" altLang="en-US"/>
               <a:t>마스터 제목 스타일 편집</a:t>
             </a:r>
             <a:endParaRPr lang="en-US"/>
@@ -2369,35 +2369,35 @@
           <a:p>
             <a:pPr lvl="0"/>
             <a:r>
-              <a:rPr lang="ko-KR" altLang="en-US" smtClean="0"/>
+              <a:rPr lang="ko-KR" altLang="en-US"/>
               <a:t>마스터 텍스트 스타일 편집</a:t>
             </a:r>
           </a:p>
           <a:p>
             <a:pPr lvl="1"/>
             <a:r>
-              <a:rPr lang="ko-KR" altLang="en-US" smtClean="0"/>
+              <a:rPr lang="ko-KR" altLang="en-US"/>
               <a:t>둘째 수준</a:t>
             </a:r>
           </a:p>
           <a:p>
             <a:pPr lvl="2"/>
             <a:r>
-              <a:rPr lang="ko-KR" altLang="en-US" smtClean="0"/>
+              <a:rPr lang="ko-KR" altLang="en-US"/>
               <a:t>셋째 수준</a:t>
             </a:r>
           </a:p>
           <a:p>
             <a:pPr lvl="3"/>
             <a:r>
-              <a:rPr lang="ko-KR" altLang="en-US" smtClean="0"/>
+              <a:rPr lang="ko-KR" altLang="en-US"/>
               <a:t>넷째 수준</a:t>
             </a:r>
           </a:p>
           <a:p>
             <a:pPr lvl="4"/>
             <a:r>
-              <a:rPr lang="ko-KR" altLang="en-US" smtClean="0"/>
+              <a:rPr lang="ko-KR" altLang="en-US"/>
               <a:t>다섯째 수준</a:t>
             </a:r>
             <a:endParaRPr lang="en-US"/>
@@ -2463,7 +2463,7 @@
           <a:p>
             <a:pPr lvl="0"/>
             <a:r>
-              <a:rPr lang="ko-KR" altLang="en-US" smtClean="0"/>
+              <a:rPr lang="ko-KR" altLang="en-US"/>
               <a:t>마스터 텍스트 스타일 편집</a:t>
             </a:r>
           </a:p>
@@ -2486,7 +2486,7 @@
           <a:p>
             <a:fld id="{6AB060C4-0E41-4616-97AE-ED171F0803BE}" type="datetime1">
               <a:rPr lang="en-US" smtClean="0"/>
-              <a:t>9/27/2018</a:t>
+              <a:t>9/25/20</a:t>
             </a:fld>
             <a:endParaRPr lang="en-US"/>
           </a:p>
@@ -2589,7 +2589,7 @@
           </a:lstStyle>
           <a:p>
             <a:r>
-              <a:rPr lang="ko-KR" altLang="en-US" smtClean="0"/>
+              <a:rPr lang="ko-KR" altLang="en-US"/>
               <a:t>마스터 제목 스타일 편집</a:t>
             </a:r>
             <a:endParaRPr lang="en-US"/>
@@ -2716,7 +2716,7 @@
           <a:p>
             <a:pPr lvl="0"/>
             <a:r>
-              <a:rPr lang="ko-KR" altLang="en-US" smtClean="0"/>
+              <a:rPr lang="ko-KR" altLang="en-US"/>
               <a:t>마스터 텍스트 스타일 편집</a:t>
             </a:r>
           </a:p>
@@ -2739,7 +2739,7 @@
           <a:p>
             <a:fld id="{8F80260D-B8E6-4692-8630-AE9F125183E2}" type="datetime1">
               <a:rPr lang="en-US" smtClean="0"/>
-              <a:t>9/27/2018</a:t>
+              <a:t>9/25/20</a:t>
             </a:fld>
             <a:endParaRPr lang="en-US"/>
           </a:p>
@@ -2848,7 +2848,7 @@
           <a:lstStyle/>
           <a:p>
             <a:r>
-              <a:rPr lang="ko-KR" altLang="en-US" smtClean="0"/>
+              <a:rPr lang="ko-KR" altLang="en-US"/>
               <a:t>마스터 제목 스타일 편집</a:t>
             </a:r>
             <a:endParaRPr lang="en-US"/>
@@ -2882,35 +2882,35 @@
           <a:p>
             <a:pPr lvl="0"/>
             <a:r>
-              <a:rPr lang="ko-KR" altLang="en-US" smtClean="0"/>
+              <a:rPr lang="ko-KR" altLang="en-US"/>
               <a:t>마스터 텍스트 스타일 편집</a:t>
             </a:r>
           </a:p>
           <a:p>
             <a:pPr lvl="1"/>
             <a:r>
-              <a:rPr lang="ko-KR" altLang="en-US" smtClean="0"/>
+              <a:rPr lang="ko-KR" altLang="en-US"/>
               <a:t>둘째 수준</a:t>
             </a:r>
           </a:p>
           <a:p>
             <a:pPr lvl="2"/>
             <a:r>
-              <a:rPr lang="ko-KR" altLang="en-US" smtClean="0"/>
+              <a:rPr lang="ko-KR" altLang="en-US"/>
               <a:t>셋째 수준</a:t>
             </a:r>
           </a:p>
           <a:p>
             <a:pPr lvl="3"/>
             <a:r>
-              <a:rPr lang="ko-KR" altLang="en-US" smtClean="0"/>
+              <a:rPr lang="ko-KR" altLang="en-US"/>
               <a:t>넷째 수준</a:t>
             </a:r>
           </a:p>
           <a:p>
             <a:pPr lvl="4"/>
             <a:r>
-              <a:rPr lang="ko-KR" altLang="en-US" smtClean="0"/>
+              <a:rPr lang="ko-KR" altLang="en-US"/>
               <a:t>다섯째 수준</a:t>
             </a:r>
             <a:endParaRPr lang="en-US"/>
@@ -2952,7 +2952,7 @@
           <a:p>
             <a:fld id="{7FA22366-FCB1-4044-B924-79586899EC97}" type="datetime1">
               <a:rPr lang="en-US" smtClean="0"/>
-              <a:t>9/27/2018</a:t>
+              <a:t>9/25/20</a:t>
             </a:fld>
             <a:endParaRPr lang="en-US"/>
           </a:p>
@@ -3381,10 +3381,9 @@
           <a:lstStyle/>
           <a:p>
             <a:r>
-              <a:rPr lang="en-US" dirty="0" smtClean="0"/>
+              <a:rPr lang="en-US" dirty="0"/>
               <a:t>Arduino programs</a:t>
             </a:r>
-            <a:endParaRPr lang="en-US" dirty="0"/>
           </a:p>
         </p:txBody>
       </p:sp>
@@ -3415,7 +3414,7 @@
               <a:buChar char="-"/>
             </a:pPr>
             <a:r>
-              <a:rPr lang="en-US" dirty="0" smtClean="0"/>
+              <a:rPr lang="en-US" dirty="0"/>
               <a:t>Arduino toolchain</a:t>
             </a:r>
           </a:p>
@@ -3425,7 +3424,7 @@
               <a:buChar char="-"/>
             </a:pPr>
             <a:r>
-              <a:rPr lang="en-US" dirty="0" smtClean="0"/>
+              <a:rPr lang="en-US" dirty="0"/>
               <a:t>Cross-compilation</a:t>
             </a:r>
           </a:p>
@@ -3435,7 +3434,7 @@
               <a:buChar char="-"/>
             </a:pPr>
             <a:r>
-              <a:rPr lang="en-US" dirty="0" smtClean="0"/>
+              <a:rPr lang="en-US" dirty="0"/>
               <a:t>Arduino sketches</a:t>
             </a:r>
           </a:p>
@@ -3445,7 +3444,7 @@
               <a:buChar char="-"/>
             </a:pPr>
             <a:r>
-              <a:rPr lang="en-US" dirty="0" smtClean="0"/>
+              <a:rPr lang="en-US" dirty="0"/>
               <a:t>Classes</a:t>
             </a:r>
           </a:p>
@@ -3455,7 +3454,7 @@
               <a:buChar char="-"/>
             </a:pPr>
             <a:r>
-              <a:rPr lang="en-US" dirty="0" smtClean="0"/>
+              <a:rPr lang="en-US" dirty="0"/>
               <a:t>Sketch structure</a:t>
             </a:r>
           </a:p>
@@ -3465,7 +3464,7 @@
               <a:buChar char="-"/>
             </a:pPr>
             <a:r>
-              <a:rPr lang="en-US" dirty="0" smtClean="0"/>
+              <a:rPr lang="en-US" dirty="0"/>
               <a:t>Pins</a:t>
             </a:r>
           </a:p>
@@ -3475,7 +3474,7 @@
               <a:buChar char="-"/>
             </a:pPr>
             <a:r>
-              <a:rPr lang="en-US" dirty="0" smtClean="0"/>
+              <a:rPr lang="en-US" dirty="0"/>
               <a:t>Input and output</a:t>
             </a:r>
           </a:p>
@@ -3485,7 +3484,7 @@
               <a:buChar char="-"/>
             </a:pPr>
             <a:r>
-              <a:rPr lang="en-US" dirty="0" smtClean="0"/>
+              <a:rPr lang="en-US" dirty="0"/>
               <a:t>Blink example</a:t>
             </a:r>
           </a:p>
@@ -3564,10 +3563,9 @@
           <a:lstStyle/>
           <a:p>
             <a:r>
-              <a:rPr lang="en-US" dirty="0" smtClean="0"/>
+              <a:rPr lang="en-US" dirty="0"/>
               <a:t>Object-oriented programming</a:t>
             </a:r>
-            <a:endParaRPr lang="en-US" dirty="0"/>
           </a:p>
         </p:txBody>
       </p:sp>
@@ -3587,19 +3585,19 @@
           <a:lstStyle/>
           <a:p>
             <a:r>
-              <a:rPr lang="en-US" dirty="0" smtClean="0"/>
+              <a:rPr lang="en-US" dirty="0"/>
               <a:t>Organize your code through encapsulation</a:t>
             </a:r>
           </a:p>
           <a:p>
             <a:r>
-              <a:rPr lang="en-US" dirty="0" smtClean="0"/>
+              <a:rPr lang="en-US" dirty="0"/>
               <a:t>Group together data and functions that are related</a:t>
             </a:r>
           </a:p>
           <a:p>
             <a:r>
-              <a:rPr lang="en-US" dirty="0" smtClean="0"/>
+              <a:rPr lang="en-US" dirty="0"/>
               <a:t>User-defined type is specific to an application</a:t>
             </a:r>
           </a:p>
@@ -3610,31 +3608,23 @@
                 <a:latin typeface="Courier New" panose="02070309020205020404" pitchFamily="49" charset="0"/>
                 <a:cs typeface="Courier New" panose="02070309020205020404" pitchFamily="49" charset="0"/>
               </a:rPr>
-              <a:t>i</a:t>
-            </a:r>
-            <a:r>
-              <a:rPr lang="en-US" dirty="0" err="1" smtClean="0">
-                <a:latin typeface="Courier New" panose="02070309020205020404" pitchFamily="49" charset="0"/>
-                <a:cs typeface="Courier New" panose="02070309020205020404" pitchFamily="49" charset="0"/>
-              </a:rPr>
-              <a:t>nt</a:t>
-            </a:r>
-            <a:r>
-              <a:rPr lang="en-US" dirty="0" smtClean="0"/>
+              <a:t>int</a:t>
+            </a:r>
+            <a:r>
+              <a:rPr lang="en-US" dirty="0"/>
               <a:t> type has data (the number) and functions (</a:t>
             </a:r>
             <a:r>
-              <a:rPr lang="en-US" dirty="0" smtClean="0">
+              <a:rPr lang="en-US" dirty="0">
                 <a:latin typeface="Courier New" panose="02070309020205020404" pitchFamily="49" charset="0"/>
                 <a:cs typeface="Courier New" panose="02070309020205020404" pitchFamily="49" charset="0"/>
               </a:rPr>
               <a:t>+, -, *</a:t>
             </a:r>
             <a:r>
-              <a:rPr lang="en-US" dirty="0" smtClean="0"/>
+              <a:rPr lang="en-US" dirty="0"/>
               <a:t>)</a:t>
             </a:r>
-            <a:endParaRPr lang="en-US" dirty="0"/>
           </a:p>
         </p:txBody>
       </p:sp>
@@ -3707,10 +3697,9 @@
           <a:lstStyle/>
           <a:p>
             <a:r>
-              <a:rPr lang="en-US" dirty="0" smtClean="0"/>
+              <a:rPr lang="en-US" dirty="0"/>
               <a:t>Encapsulation example</a:t>
             </a:r>
-            <a:endParaRPr lang="en-US" dirty="0"/>
           </a:p>
         </p:txBody>
       </p:sp>
@@ -3732,7 +3721,7 @@
           <a:lstStyle/>
           <a:p>
             <a:r>
-              <a:rPr lang="en-US" dirty="0" smtClean="0"/>
+              <a:rPr lang="en-US" dirty="0"/>
               <a:t>Specify and operate on 3 points</a:t>
             </a:r>
           </a:p>
@@ -3748,28 +3737,14 @@
                 <a:latin typeface="Courier New" panose="02070309020205020404" pitchFamily="49" charset="0"/>
                 <a:cs typeface="Courier New" panose="02070309020205020404" pitchFamily="49" charset="0"/>
               </a:rPr>
-              <a:t>i</a:t>
-            </a:r>
-            <a:r>
-              <a:rPr lang="en-US" dirty="0" err="1" smtClean="0">
-                <a:latin typeface="Courier New" panose="02070309020205020404" pitchFamily="49" charset="0"/>
-                <a:cs typeface="Courier New" panose="02070309020205020404" pitchFamily="49" charset="0"/>
-              </a:rPr>
-              <a:t>nt</a:t>
-            </a:r>
-            <a:r>
-              <a:rPr lang="en-US" dirty="0" smtClean="0">
-                <a:latin typeface="Courier New" panose="02070309020205020404" pitchFamily="49" charset="0"/>
-                <a:cs typeface="Courier New" panose="02070309020205020404" pitchFamily="49" charset="0"/>
-              </a:rPr>
-              <a:t> x, y;				point </a:t>
-            </a:r>
-            <a:r>
-              <a:rPr lang="en-US" dirty="0">
-                <a:latin typeface="Courier New" panose="02070309020205020404" pitchFamily="49" charset="0"/>
-                <a:cs typeface="Courier New" panose="02070309020205020404" pitchFamily="49" charset="0"/>
-              </a:rPr>
-              <a:t>p1;</a:t>
+              <a:t>int</a:t>
+            </a:r>
+            <a:r>
+              <a:rPr lang="en-US" dirty="0">
+                <a:latin typeface="Courier New" panose="02070309020205020404" pitchFamily="49" charset="0"/>
+                <a:cs typeface="Courier New" panose="02070309020205020404" pitchFamily="49" charset="0"/>
+              </a:rPr>
+              <a:t> x, y;				point p1;</a:t>
             </a:r>
           </a:p>
           <a:p>
@@ -3777,21 +3752,21 @@
               <a:buNone/>
             </a:pPr>
             <a:r>
-              <a:rPr lang="en-US" dirty="0" smtClean="0">
-                <a:latin typeface="Courier New" panose="02070309020205020404" pitchFamily="49" charset="0"/>
-                <a:cs typeface="Courier New" panose="02070309020205020404" pitchFamily="49" charset="0"/>
-              </a:rPr>
-              <a:t>x1=0; y1=0;				p1=</a:t>
-            </a:r>
-            <a:r>
-              <a:rPr lang="en-US" dirty="0" err="1" smtClean="0">
-                <a:latin typeface="Courier New" panose="02070309020205020404" pitchFamily="49" charset="0"/>
-                <a:cs typeface="Courier New" panose="02070309020205020404" pitchFamily="49" charset="0"/>
-              </a:rPr>
-              <a:t>newpoint</a:t>
-            </a:r>
-            <a:r>
-              <a:rPr lang="en-US" dirty="0" smtClean="0">
+              <a:rPr lang="en-US" dirty="0">
+                <a:latin typeface="Courier New" panose="02070309020205020404" pitchFamily="49" charset="0"/>
+                <a:cs typeface="Courier New" panose="02070309020205020404" pitchFamily="49" charset="0"/>
+              </a:rPr>
+              <a:t>x1=0; y1=0;				p1</a:t>
+            </a:r>
+            <a:r>
+              <a:rPr lang="en-US" altLang="ko-KR" dirty="0">
+                <a:latin typeface="Courier New" panose="02070309020205020404" pitchFamily="49" charset="0"/>
+                <a:cs typeface="Courier New" panose="02070309020205020404" pitchFamily="49" charset="0"/>
+              </a:rPr>
+              <a:t>.setpoint</a:t>
+            </a:r>
+            <a:r>
+              <a:rPr lang="en-US" dirty="0">
                 <a:latin typeface="Courier New" panose="02070309020205020404" pitchFamily="49" charset="0"/>
                 <a:cs typeface="Courier New" panose="02070309020205020404" pitchFamily="49" charset="0"/>
               </a:rPr>
@@ -3803,7 +3778,7 @@
               <a:buNone/>
             </a:pPr>
             <a:r>
-              <a:rPr lang="en-US" dirty="0" smtClean="0">
+              <a:rPr lang="en-US" dirty="0">
                 <a:latin typeface="Courier New" panose="02070309020205020404" pitchFamily="49" charset="0"/>
                 <a:cs typeface="Courier New" panose="02070309020205020404" pitchFamily="49" charset="0"/>
               </a:rPr>
@@ -3811,33 +3786,33 @@
             </a:r>
           </a:p>
           <a:p>
-            <a:endParaRPr lang="en-US" dirty="0" smtClean="0"/>
-          </a:p>
-          <a:p>
-            <a:r>
-              <a:rPr lang="en-US" dirty="0" smtClean="0"/>
+            <a:endParaRPr lang="en-US" dirty="0"/>
+          </a:p>
+          <a:p>
+            <a:r>
+              <a:rPr lang="en-US" dirty="0"/>
               <a:t>All data contained in one objects</a:t>
             </a:r>
           </a:p>
           <a:p>
             <a:r>
-              <a:rPr lang="en-US" dirty="0" smtClean="0"/>
+              <a:rPr lang="en-US" dirty="0"/>
               <a:t>Reduced number of parameters</a:t>
             </a:r>
           </a:p>
           <a:p>
             <a:r>
-              <a:rPr lang="en-US" dirty="0" smtClean="0"/>
+              <a:rPr lang="en-US" dirty="0"/>
               <a:t>Point-specific functions are easily identified</a:t>
             </a:r>
             <a:r>
-              <a:rPr lang="en-US" b="1" dirty="0" smtClean="0">
+              <a:rPr lang="en-US" b="1" dirty="0">
                 <a:latin typeface="Courier New" panose="02070309020205020404" pitchFamily="49" charset="0"/>
                 <a:cs typeface="Courier New" panose="02070309020205020404" pitchFamily="49" charset="0"/>
               </a:rPr>
               <a:t> </a:t>
             </a:r>
-            <a:endParaRPr lang="en-US" dirty="0" smtClean="0"/>
+            <a:endParaRPr lang="en-US" dirty="0"/>
           </a:p>
         </p:txBody>
       </p:sp>
@@ -3910,7 +3885,7 @@
           <a:lstStyle/>
           <a:p>
             <a:r>
-              <a:rPr lang="en-US" altLang="ko-KR" dirty="0" smtClean="0"/>
+              <a:rPr lang="en-US" altLang="ko-KR" dirty="0"/>
               <a:t>Classes</a:t>
             </a:r>
             <a:endParaRPr lang="en-US" dirty="0"/>
@@ -4005,7 +3980,7 @@
           <a:lstStyle/>
           <a:p>
             <a:r>
-              <a:rPr lang="en-US" dirty="0" smtClean="0"/>
+              <a:rPr lang="en-US" dirty="0"/>
               <a:t>Classes and members</a:t>
             </a:r>
             <a:endParaRPr lang="en-US" dirty="0">
@@ -4040,14 +4015,7 @@
                 <a:latin typeface="Courier New" panose="02070309020205020404" pitchFamily="49" charset="0"/>
                 <a:cs typeface="Courier New" panose="02070309020205020404" pitchFamily="49" charset="0"/>
               </a:rPr>
-              <a:t>c</a:t>
-            </a:r>
-            <a:r>
-              <a:rPr lang="en-US" dirty="0" smtClean="0">
-                <a:latin typeface="Courier New" panose="02070309020205020404" pitchFamily="49" charset="0"/>
-                <a:cs typeface="Courier New" panose="02070309020205020404" pitchFamily="49" charset="0"/>
-              </a:rPr>
-              <a:t>lass X {</a:t>
+              <a:t>class X {</a:t>
             </a:r>
           </a:p>
           <a:p>
@@ -4055,7 +4023,7 @@
               <a:buNone/>
             </a:pPr>
             <a:r>
-              <a:rPr lang="en-US" dirty="0" smtClean="0">
+              <a:rPr lang="en-US" dirty="0">
                 <a:latin typeface="Courier New" panose="02070309020205020404" pitchFamily="49" charset="0"/>
                 <a:cs typeface="Courier New" panose="02070309020205020404" pitchFamily="49" charset="0"/>
               </a:rPr>
@@ -4074,14 +4042,14 @@
               <a:t>	</a:t>
             </a:r>
             <a:r>
-              <a:rPr lang="en-US" dirty="0" err="1" smtClean="0">
+              <a:rPr lang="en-US" dirty="0" err="1">
                 <a:latin typeface="Courier New" panose="02070309020205020404" pitchFamily="49" charset="0"/>
                 <a:cs typeface="Courier New" panose="02070309020205020404" pitchFamily="49" charset="0"/>
               </a:rPr>
               <a:t>int</a:t>
             </a:r>
             <a:r>
-              <a:rPr lang="en-US" dirty="0" smtClean="0">
+              <a:rPr lang="en-US" dirty="0">
                 <a:latin typeface="Courier New" panose="02070309020205020404" pitchFamily="49" charset="0"/>
                 <a:cs typeface="Courier New" panose="02070309020205020404" pitchFamily="49" charset="0"/>
               </a:rPr>
@@ -4093,49 +4061,49 @@
               <a:buNone/>
             </a:pPr>
             <a:r>
-              <a:rPr lang="en-US" dirty="0" smtClean="0">
+              <a:rPr lang="en-US" dirty="0">
                 <a:latin typeface="Courier New" panose="02070309020205020404" pitchFamily="49" charset="0"/>
                 <a:cs typeface="Courier New" panose="02070309020205020404" pitchFamily="49" charset="0"/>
               </a:rPr>
               <a:t>	</a:t>
             </a:r>
             <a:r>
-              <a:rPr lang="en-US" dirty="0" err="1" smtClean="0">
+              <a:rPr lang="en-US" dirty="0" err="1">
                 <a:latin typeface="Courier New" panose="02070309020205020404" pitchFamily="49" charset="0"/>
                 <a:cs typeface="Courier New" panose="02070309020205020404" pitchFamily="49" charset="0"/>
               </a:rPr>
               <a:t>int</a:t>
             </a:r>
             <a:r>
-              <a:rPr lang="en-US" dirty="0" smtClean="0">
+              <a:rPr lang="en-US" dirty="0">
                 <a:latin typeface="Courier New" panose="02070309020205020404" pitchFamily="49" charset="0"/>
                 <a:cs typeface="Courier New" panose="02070309020205020404" pitchFamily="49" charset="0"/>
               </a:rPr>
               <a:t> mf(</a:t>
             </a:r>
             <a:r>
-              <a:rPr lang="en-US" dirty="0" err="1" smtClean="0">
+              <a:rPr lang="en-US" dirty="0" err="1">
                 <a:latin typeface="Courier New" panose="02070309020205020404" pitchFamily="49" charset="0"/>
                 <a:cs typeface="Courier New" panose="02070309020205020404" pitchFamily="49" charset="0"/>
               </a:rPr>
               <a:t>int</a:t>
             </a:r>
             <a:r>
-              <a:rPr lang="en-US" dirty="0" smtClean="0">
+              <a:rPr lang="en-US" dirty="0">
                 <a:latin typeface="Courier New" panose="02070309020205020404" pitchFamily="49" charset="0"/>
                 <a:cs typeface="Courier New" panose="02070309020205020404" pitchFamily="49" charset="0"/>
               </a:rPr>
               <a:t> v){</a:t>
             </a:r>
             <a:r>
-              <a:rPr lang="en-US" dirty="0" err="1" smtClean="0">
+              <a:rPr lang="en-US" dirty="0" err="1">
                 <a:latin typeface="Courier New" panose="02070309020205020404" pitchFamily="49" charset="0"/>
                 <a:cs typeface="Courier New" panose="02070309020205020404" pitchFamily="49" charset="0"/>
               </a:rPr>
               <a:t>int</a:t>
             </a:r>
             <a:r>
-              <a:rPr lang="en-US" dirty="0" smtClean="0">
+              <a:rPr lang="en-US" dirty="0">
                 <a:latin typeface="Courier New" panose="02070309020205020404" pitchFamily="49" charset="0"/>
                 <a:cs typeface="Courier New" panose="02070309020205020404" pitchFamily="49" charset="0"/>
               </a:rPr>
@@ -4147,7 +4115,7 @@
               <a:buNone/>
             </a:pPr>
             <a:r>
-              <a:rPr lang="en-US" dirty="0" smtClean="0">
+              <a:rPr lang="en-US" dirty="0">
                 <a:latin typeface="Courier New" panose="02070309020205020404" pitchFamily="49" charset="0"/>
                 <a:cs typeface="Courier New" panose="02070309020205020404" pitchFamily="49" charset="0"/>
               </a:rPr>
@@ -4159,21 +4127,21 @@
               <a:buNone/>
             </a:pPr>
             <a:r>
-              <a:rPr lang="en-US" dirty="0" smtClean="0">
+              <a:rPr lang="en-US" dirty="0">
                 <a:latin typeface="Courier New" panose="02070309020205020404" pitchFamily="49" charset="0"/>
                 <a:cs typeface="Courier New" panose="02070309020205020404" pitchFamily="49" charset="0"/>
               </a:rPr>
               <a:t>X </a:t>
             </a:r>
             <a:r>
-              <a:rPr lang="en-US" dirty="0" err="1" smtClean="0">
+              <a:rPr lang="en-US" dirty="0" err="1">
                 <a:latin typeface="Courier New" panose="02070309020205020404" pitchFamily="49" charset="0"/>
                 <a:cs typeface="Courier New" panose="02070309020205020404" pitchFamily="49" charset="0"/>
               </a:rPr>
               <a:t>var</a:t>
             </a:r>
             <a:r>
-              <a:rPr lang="en-US" dirty="0" smtClean="0">
+              <a:rPr lang="en-US" dirty="0">
                 <a:latin typeface="Courier New" panose="02070309020205020404" pitchFamily="49" charset="0"/>
                 <a:cs typeface="Courier New" panose="02070309020205020404" pitchFamily="49" charset="0"/>
               </a:rPr>
@@ -4189,17 +4157,10 @@
                 <a:latin typeface="Courier New" panose="02070309020205020404" pitchFamily="49" charset="0"/>
                 <a:cs typeface="Courier New" panose="02070309020205020404" pitchFamily="49" charset="0"/>
               </a:rPr>
-              <a:t>v</a:t>
-            </a:r>
-            <a:r>
-              <a:rPr lang="en-US" dirty="0" err="1" smtClean="0">
-                <a:latin typeface="Courier New" panose="02070309020205020404" pitchFamily="49" charset="0"/>
-                <a:cs typeface="Courier New" panose="02070309020205020404" pitchFamily="49" charset="0"/>
-              </a:rPr>
-              <a:t>ar.m</a:t>
-            </a:r>
-            <a:r>
-              <a:rPr lang="en-US" dirty="0" smtClean="0">
+              <a:t>var.m</a:t>
+            </a:r>
+            <a:r>
+              <a:rPr lang="en-US" dirty="0">
                 <a:latin typeface="Courier New" panose="02070309020205020404" pitchFamily="49" charset="0"/>
                 <a:cs typeface="Courier New" panose="02070309020205020404" pitchFamily="49" charset="0"/>
               </a:rPr>
@@ -4215,37 +4176,30 @@
                 <a:latin typeface="Courier New" panose="02070309020205020404" pitchFamily="49" charset="0"/>
                 <a:cs typeface="Courier New" panose="02070309020205020404" pitchFamily="49" charset="0"/>
               </a:rPr>
-              <a:t>i</a:t>
-            </a:r>
-            <a:r>
-              <a:rPr lang="en-US" dirty="0" err="1" smtClean="0">
-                <a:latin typeface="Courier New" panose="02070309020205020404" pitchFamily="49" charset="0"/>
-                <a:cs typeface="Courier New" panose="02070309020205020404" pitchFamily="49" charset="0"/>
-              </a:rPr>
-              <a:t>nt</a:t>
-            </a:r>
-            <a:r>
-              <a:rPr lang="en-US" dirty="0" smtClean="0">
+              <a:t>int</a:t>
+            </a:r>
+            <a:r>
+              <a:rPr lang="en-US" dirty="0">
                 <a:latin typeface="Courier New" panose="02070309020205020404" pitchFamily="49" charset="0"/>
                 <a:cs typeface="Courier New" panose="02070309020205020404" pitchFamily="49" charset="0"/>
               </a:rPr>
               <a:t> z = </a:t>
             </a:r>
             <a:r>
-              <a:rPr lang="en-US" dirty="0" err="1" smtClean="0">
+              <a:rPr lang="en-US" dirty="0" err="1">
                 <a:latin typeface="Courier New" panose="02070309020205020404" pitchFamily="49" charset="0"/>
                 <a:cs typeface="Courier New" panose="02070309020205020404" pitchFamily="49" charset="0"/>
               </a:rPr>
               <a:t>var.mf</a:t>
             </a:r>
             <a:r>
-              <a:rPr lang="en-US" dirty="0" smtClean="0">
+              <a:rPr lang="en-US" dirty="0">
                 <a:latin typeface="Courier New" panose="02070309020205020404" pitchFamily="49" charset="0"/>
                 <a:cs typeface="Courier New" panose="02070309020205020404" pitchFamily="49" charset="0"/>
               </a:rPr>
               <a:t>(9);</a:t>
             </a:r>
-            <a:endParaRPr lang="en-US" dirty="0" smtClean="0"/>
+            <a:endParaRPr lang="en-US" dirty="0"/>
           </a:p>
           <a:p>
             <a:pPr marL="0" indent="0">
@@ -4327,7 +4281,7 @@
           <a:lstStyle/>
           <a:p>
             <a:r>
-              <a:rPr lang="en-US" dirty="0" smtClean="0"/>
+              <a:rPr lang="en-US" dirty="0"/>
               <a:t>Classes and members</a:t>
             </a:r>
             <a:endParaRPr lang="en-US" dirty="0">
@@ -4355,33 +4309,33 @@
           <a:lstStyle/>
           <a:p>
             <a:r>
-              <a:rPr lang="en-US" dirty="0" smtClean="0"/>
+              <a:rPr lang="en-US" dirty="0"/>
               <a:t>Declaration of a variable creates an object</a:t>
             </a:r>
           </a:p>
           <a:p>
             <a:r>
-              <a:rPr lang="en-US" dirty="0" smtClean="0">
+              <a:rPr lang="en-US" dirty="0">
                 <a:latin typeface="Courier New" panose="02070309020205020404" pitchFamily="49" charset="0"/>
                 <a:cs typeface="Courier New" panose="02070309020205020404" pitchFamily="49" charset="0"/>
               </a:rPr>
               <a:t>.</a:t>
             </a:r>
             <a:r>
-              <a:rPr lang="en-US" dirty="0" smtClean="0"/>
+              <a:rPr lang="en-US" dirty="0"/>
               <a:t> operator used to access members</a:t>
             </a:r>
           </a:p>
           <a:p>
             <a:pPr lvl="1"/>
             <a:r>
-              <a:rPr lang="en-US" dirty="0" smtClean="0"/>
+              <a:rPr lang="en-US" dirty="0"/>
               <a:t>Data and functions</a:t>
             </a:r>
           </a:p>
           <a:p>
             <a:r>
-              <a:rPr lang="en-US" dirty="0" smtClean="0"/>
+              <a:rPr lang="en-US" dirty="0"/>
               <a:t>Functions can be defined inside the class</a:t>
             </a:r>
             <a:endParaRPr lang="en-US" dirty="0">
@@ -4460,10 +4414,9 @@
           <a:lstStyle/>
           <a:p>
             <a:r>
-              <a:rPr lang="en-US" dirty="0" smtClean="0"/>
+              <a:rPr lang="en-US" dirty="0"/>
               <a:t>Classes in libraries</a:t>
             </a:r>
-            <a:endParaRPr lang="en-US" dirty="0"/>
           </a:p>
         </p:txBody>
       </p:sp>
@@ -4483,7 +4436,7 @@
           <a:lstStyle/>
           <a:p>
             <a:r>
-              <a:rPr lang="en-US" dirty="0" smtClean="0">
+              <a:rPr lang="en-US" dirty="0">
                 <a:cs typeface="Courier New" panose="02070309020205020404" pitchFamily="49" charset="0"/>
               </a:rPr>
               <a:t>We will </a:t>
@@ -4492,7 +4445,7 @@
           <a:p>
             <a:pPr lvl="1"/>
             <a:r>
-              <a:rPr lang="en-US" dirty="0" smtClean="0">
+              <a:rPr lang="en-US" dirty="0">
                 <a:cs typeface="Courier New" panose="02070309020205020404" pitchFamily="49" charset="0"/>
               </a:rPr>
               <a:t>not need to know much about classes</a:t>
@@ -4501,7 +4454,7 @@
           <a:p>
             <a:pPr lvl="1"/>
             <a:r>
-              <a:rPr lang="en-US" dirty="0" smtClean="0">
+              <a:rPr lang="en-US" dirty="0">
                 <a:cs typeface="Courier New" panose="02070309020205020404" pitchFamily="49" charset="0"/>
               </a:rPr>
               <a:t>not define classes</a:t>
@@ -4510,7 +4463,7 @@
           <a:p>
             <a:pPr lvl="1"/>
             <a:r>
-              <a:rPr lang="en-US" dirty="0" smtClean="0">
+              <a:rPr lang="en-US" dirty="0">
                 <a:cs typeface="Courier New" panose="02070309020205020404" pitchFamily="49" charset="0"/>
               </a:rPr>
               <a:t>use classes defined in libraries</a:t>
@@ -4518,7 +4471,7 @@
           </a:p>
           <a:p>
             <a:r>
-              <a:rPr lang="en-US" dirty="0" smtClean="0">
+              <a:rPr lang="en-US" dirty="0">
                 <a:cs typeface="Courier New" panose="02070309020205020404" pitchFamily="49" charset="0"/>
               </a:rPr>
               <a:t>Examples</a:t>
@@ -4527,14 +4480,14 @@
           <a:p>
             <a:pPr lvl="1"/>
             <a:r>
-              <a:rPr lang="en-US" dirty="0" err="1" smtClean="0">
+              <a:rPr lang="en-US" dirty="0" err="1">
                 <a:latin typeface="Courier New" panose="02070309020205020404" pitchFamily="49" charset="0"/>
                 <a:cs typeface="Courier New" panose="02070309020205020404" pitchFamily="49" charset="0"/>
               </a:rPr>
               <a:t>Ethernet.begin</a:t>
             </a:r>
             <a:r>
-              <a:rPr lang="en-US" dirty="0" smtClean="0">
+              <a:rPr lang="en-US" dirty="0">
                 <a:latin typeface="Courier New" panose="02070309020205020404" pitchFamily="49" charset="0"/>
                 <a:cs typeface="Courier New" panose="02070309020205020404" pitchFamily="49" charset="0"/>
               </a:rPr>
@@ -4544,14 +4497,14 @@
           <a:p>
             <a:pPr lvl="1"/>
             <a:r>
-              <a:rPr lang="en-US" dirty="0" err="1" smtClean="0">
+              <a:rPr lang="en-US" dirty="0" err="1">
                 <a:latin typeface="Courier New" panose="02070309020205020404" pitchFamily="49" charset="0"/>
                 <a:cs typeface="Courier New" panose="02070309020205020404" pitchFamily="49" charset="0"/>
               </a:rPr>
               <a:t>Serial.begin</a:t>
             </a:r>
             <a:r>
-              <a:rPr lang="en-US" dirty="0" smtClean="0">
+              <a:rPr lang="en-US" dirty="0">
                 <a:latin typeface="Courier New" panose="02070309020205020404" pitchFamily="49" charset="0"/>
                 <a:cs typeface="Courier New" panose="02070309020205020404" pitchFamily="49" charset="0"/>
               </a:rPr>
@@ -4561,14 +4514,14 @@
           <a:p>
             <a:pPr lvl="1"/>
             <a:r>
-              <a:rPr lang="en-US" dirty="0" err="1" smtClean="0">
+              <a:rPr lang="en-US" dirty="0" err="1">
                 <a:latin typeface="Courier New" panose="02070309020205020404" pitchFamily="49" charset="0"/>
                 <a:cs typeface="Courier New" panose="02070309020205020404" pitchFamily="49" charset="0"/>
               </a:rPr>
               <a:t>client.print</a:t>
             </a:r>
             <a:r>
-              <a:rPr lang="en-US" dirty="0" smtClean="0">
+              <a:rPr lang="en-US" dirty="0">
                 <a:latin typeface="Courier New" panose="02070309020205020404" pitchFamily="49" charset="0"/>
                 <a:cs typeface="Courier New" panose="02070309020205020404" pitchFamily="49" charset="0"/>
               </a:rPr>
@@ -4578,23 +4531,19 @@
           <a:p>
             <a:pPr lvl="1"/>
             <a:r>
-              <a:rPr lang="en-US" dirty="0" err="1" smtClean="0">
+              <a:rPr lang="en-US" dirty="0" err="1">
                 <a:latin typeface="Courier New" panose="02070309020205020404" pitchFamily="49" charset="0"/>
                 <a:cs typeface="Courier New" panose="02070309020205020404" pitchFamily="49" charset="0"/>
               </a:rPr>
               <a:t>Serial.print</a:t>
             </a:r>
             <a:r>
-              <a:rPr lang="en-US" dirty="0" smtClean="0">
+              <a:rPr lang="en-US" dirty="0">
                 <a:latin typeface="Courier New" panose="02070309020205020404" pitchFamily="49" charset="0"/>
                 <a:cs typeface="Courier New" panose="02070309020205020404" pitchFamily="49" charset="0"/>
               </a:rPr>
               <a:t>(“Hello”);</a:t>
             </a:r>
-            <a:endParaRPr lang="en-US" dirty="0">
-              <a:latin typeface="Courier New" panose="02070309020205020404" pitchFamily="49" charset="0"/>
-              <a:cs typeface="Courier New" panose="02070309020205020404" pitchFamily="49" charset="0"/>
-            </a:endParaRPr>
           </a:p>
         </p:txBody>
       </p:sp>
@@ -4667,7 +4616,7 @@
           <a:lstStyle/>
           <a:p>
             <a:r>
-              <a:rPr lang="en-US" altLang="ko-KR" dirty="0" smtClean="0"/>
+              <a:rPr lang="en-US" altLang="ko-KR" dirty="0"/>
               <a:t>Sketch structure</a:t>
             </a:r>
             <a:endParaRPr lang="en-US" dirty="0"/>
@@ -4766,20 +4715,12 @@
                 <a:latin typeface="Courier New" panose="02070309020205020404" pitchFamily="49" charset="0"/>
                 <a:cs typeface="Courier New" panose="02070309020205020404" pitchFamily="49" charset="0"/>
               </a:rPr>
-              <a:t>s</a:t>
-            </a:r>
-            <a:r>
-              <a:rPr lang="en-US" dirty="0" smtClean="0">
-                <a:latin typeface="Courier New" panose="02070309020205020404" pitchFamily="49" charset="0"/>
-                <a:cs typeface="Courier New" panose="02070309020205020404" pitchFamily="49" charset="0"/>
-              </a:rPr>
-              <a:t>etup() </a:t>
-            </a:r>
-            <a:r>
-              <a:rPr lang="en-US" dirty="0" smtClean="0"/>
+              <a:t>setup() </a:t>
+            </a:r>
+            <a:r>
+              <a:rPr lang="en-US" dirty="0"/>
               <a:t>function</a:t>
             </a:r>
-            <a:endParaRPr lang="en-US" dirty="0"/>
           </a:p>
         </p:txBody>
       </p:sp>
@@ -4801,56 +4742,56 @@
           <a:lstStyle/>
           <a:p>
             <a:r>
-              <a:rPr lang="en-US" dirty="0" smtClean="0"/>
+              <a:rPr lang="en-US" dirty="0"/>
               <a:t>A sketch does not have a </a:t>
             </a:r>
             <a:r>
-              <a:rPr lang="en-US" dirty="0" smtClean="0">
+              <a:rPr lang="en-US" dirty="0">
                 <a:latin typeface="Courier New" panose="02070309020205020404" pitchFamily="49" charset="0"/>
                 <a:cs typeface="Courier New" panose="02070309020205020404" pitchFamily="49" charset="0"/>
               </a:rPr>
               <a:t>main() </a:t>
             </a:r>
             <a:r>
-              <a:rPr lang="en-US" dirty="0" smtClean="0"/>
+              <a:rPr lang="en-US" dirty="0"/>
               <a:t>function</a:t>
             </a:r>
           </a:p>
           <a:p>
             <a:r>
-              <a:rPr lang="en-US" dirty="0" smtClean="0"/>
+              <a:rPr lang="en-US" dirty="0"/>
               <a:t>Every sketch has a </a:t>
             </a:r>
             <a:r>
-              <a:rPr lang="en-US" dirty="0" smtClean="0">
+              <a:rPr lang="en-US" dirty="0">
                 <a:latin typeface="Courier New" panose="02070309020205020404" pitchFamily="49" charset="0"/>
                 <a:cs typeface="Courier New" panose="02070309020205020404" pitchFamily="49" charset="0"/>
               </a:rPr>
               <a:t>setup() </a:t>
             </a:r>
             <a:r>
-              <a:rPr lang="en-US" dirty="0" smtClean="0"/>
+              <a:rPr lang="en-US" dirty="0"/>
               <a:t>function</a:t>
             </a:r>
           </a:p>
           <a:p>
             <a:pPr lvl="1"/>
             <a:r>
-              <a:rPr lang="en-US" dirty="0" smtClean="0"/>
+              <a:rPr lang="en-US" dirty="0"/>
               <a:t>Executed once when Arduino is powered up</a:t>
             </a:r>
           </a:p>
           <a:p>
             <a:pPr lvl="1"/>
             <a:r>
-              <a:rPr lang="en-US" dirty="0" smtClean="0"/>
+              <a:rPr lang="en-US" dirty="0"/>
               <a:t>Used for initialization operations</a:t>
             </a:r>
           </a:p>
           <a:p>
             <a:pPr lvl="1"/>
             <a:r>
-              <a:rPr lang="en-US" dirty="0" smtClean="0"/>
+              <a:rPr lang="en-US" dirty="0"/>
               <a:t>Returns no value, takes no arguments</a:t>
             </a:r>
           </a:p>
@@ -4867,14 +4808,7 @@
                 <a:latin typeface="Courier New" panose="02070309020205020404" pitchFamily="49" charset="0"/>
                 <a:cs typeface="Courier New" panose="02070309020205020404" pitchFamily="49" charset="0"/>
               </a:rPr>
-              <a:t>	</a:t>
-            </a:r>
-            <a:r>
-              <a:rPr lang="en-US" dirty="0" smtClean="0">
-                <a:latin typeface="Courier New" panose="02070309020205020404" pitchFamily="49" charset="0"/>
-                <a:cs typeface="Courier New" panose="02070309020205020404" pitchFamily="49" charset="0"/>
-              </a:rPr>
-              <a:t>void setup() {</a:t>
+              <a:t>	void setup() {</a:t>
             </a:r>
           </a:p>
           <a:p>
@@ -4886,14 +4820,7 @@
                 <a:latin typeface="Courier New" panose="02070309020205020404" pitchFamily="49" charset="0"/>
                 <a:cs typeface="Courier New" panose="02070309020205020404" pitchFamily="49" charset="0"/>
               </a:rPr>
-              <a:t>	</a:t>
-            </a:r>
-            <a:r>
-              <a:rPr lang="en-US" dirty="0" smtClean="0">
-                <a:latin typeface="Courier New" panose="02070309020205020404" pitchFamily="49" charset="0"/>
-                <a:cs typeface="Courier New" panose="02070309020205020404" pitchFamily="49" charset="0"/>
-              </a:rPr>
-              <a:t>	…</a:t>
+              <a:t>		…</a:t>
             </a:r>
           </a:p>
           <a:p>
@@ -4901,7 +4828,7 @@
               <a:buNone/>
             </a:pPr>
             <a:r>
-              <a:rPr lang="en-US" dirty="0" smtClean="0">
+              <a:rPr lang="en-US" dirty="0">
                 <a:latin typeface="Courier New" panose="02070309020205020404" pitchFamily="49" charset="0"/>
                 <a:cs typeface="Courier New" panose="02070309020205020404" pitchFamily="49" charset="0"/>
               </a:rPr>
@@ -4979,17 +4906,16 @@
           <a:lstStyle/>
           <a:p>
             <a:r>
-              <a:rPr lang="en-US" dirty="0" smtClean="0">
+              <a:rPr lang="en-US" dirty="0">
                 <a:latin typeface="Courier New" panose="02070309020205020404" pitchFamily="49" charset="0"/>
                 <a:cs typeface="Courier New" panose="02070309020205020404" pitchFamily="49" charset="0"/>
               </a:rPr>
               <a:t>loop()</a:t>
             </a:r>
             <a:r>
-              <a:rPr lang="en-US" dirty="0" smtClean="0"/>
+              <a:rPr lang="en-US" dirty="0"/>
               <a:t> function</a:t>
             </a:r>
-            <a:endParaRPr lang="en-US" dirty="0"/>
           </a:p>
         </p:txBody>
       </p:sp>
@@ -5011,25 +4937,25 @@
           <a:lstStyle/>
           <a:p>
             <a:r>
-              <a:rPr lang="en-US" dirty="0" smtClean="0"/>
+              <a:rPr lang="en-US" dirty="0"/>
               <a:t>Every sketch has a </a:t>
             </a:r>
             <a:r>
-              <a:rPr lang="en-US" dirty="0" smtClean="0">
+              <a:rPr lang="en-US" dirty="0">
                 <a:latin typeface="Courier New" panose="02070309020205020404" pitchFamily="49" charset="0"/>
                 <a:cs typeface="Courier New" panose="02070309020205020404" pitchFamily="49" charset="0"/>
               </a:rPr>
               <a:t>loop() </a:t>
             </a:r>
             <a:r>
-              <a:rPr lang="en-US" dirty="0" smtClean="0"/>
+              <a:rPr lang="en-US" dirty="0"/>
               <a:t>function</a:t>
             </a:r>
           </a:p>
           <a:p>
             <a:pPr lvl="1"/>
             <a:r>
-              <a:rPr lang="en-US" dirty="0" smtClean="0"/>
+              <a:rPr lang="en-US" dirty="0"/>
               <a:t>Executed iteratively as long as the Arduino is powered up</a:t>
             </a:r>
           </a:p>
@@ -5040,28 +4966,21 @@
                 <a:latin typeface="Courier New" panose="02070309020205020404" pitchFamily="49" charset="0"/>
                 <a:cs typeface="Courier New" panose="02070309020205020404" pitchFamily="49" charset="0"/>
               </a:rPr>
-              <a:t>l</a:t>
-            </a:r>
-            <a:r>
-              <a:rPr lang="en-US" dirty="0" smtClean="0">
-                <a:latin typeface="Courier New" panose="02070309020205020404" pitchFamily="49" charset="0"/>
-                <a:cs typeface="Courier New" panose="02070309020205020404" pitchFamily="49" charset="0"/>
-              </a:rPr>
-              <a:t>oop() </a:t>
-            </a:r>
-            <a:r>
-              <a:rPr lang="en-US" dirty="0" smtClean="0"/>
+              <a:t>loop() </a:t>
+            </a:r>
+            <a:r>
+              <a:rPr lang="en-US" dirty="0"/>
               <a:t>starts executing after </a:t>
             </a:r>
             <a:r>
-              <a:rPr lang="en-US" dirty="0" smtClean="0">
+              <a:rPr lang="en-US" dirty="0">
                 <a:latin typeface="Courier New" panose="02070309020205020404" pitchFamily="49" charset="0"/>
                 <a:cs typeface="Courier New" panose="02070309020205020404" pitchFamily="49" charset="0"/>
               </a:rPr>
               <a:t>setup() </a:t>
             </a:r>
             <a:r>
-              <a:rPr lang="en-US" dirty="0" smtClean="0"/>
+              <a:rPr lang="en-US" dirty="0"/>
               <a:t>has finished</a:t>
             </a:r>
           </a:p>
@@ -5072,24 +4991,17 @@
                 <a:latin typeface="Courier New" panose="02070309020205020404" pitchFamily="49" charset="0"/>
                 <a:cs typeface="Courier New" panose="02070309020205020404" pitchFamily="49" charset="0"/>
               </a:rPr>
-              <a:t>l</a:t>
-            </a:r>
-            <a:r>
-              <a:rPr lang="en-US" dirty="0" smtClean="0">
-                <a:latin typeface="Courier New" panose="02070309020205020404" pitchFamily="49" charset="0"/>
-                <a:cs typeface="Courier New" panose="02070309020205020404" pitchFamily="49" charset="0"/>
-              </a:rPr>
-              <a:t>oop() </a:t>
-            </a:r>
-            <a:r>
-              <a:rPr lang="en-US" dirty="0" smtClean="0"/>
+              <a:t>loop() </a:t>
+            </a:r>
+            <a:r>
+              <a:rPr lang="en-US" dirty="0"/>
               <a:t>is the main program control flow</a:t>
             </a:r>
           </a:p>
           <a:p>
             <a:pPr lvl="1"/>
             <a:r>
-              <a:rPr lang="en-US" dirty="0" smtClean="0"/>
+              <a:rPr lang="en-US" dirty="0"/>
               <a:t>Returns no value, takes no arguments</a:t>
             </a:r>
           </a:p>
@@ -5106,14 +5018,7 @@
                 <a:latin typeface="Courier New" panose="02070309020205020404" pitchFamily="49" charset="0"/>
                 <a:cs typeface="Courier New" panose="02070309020205020404" pitchFamily="49" charset="0"/>
               </a:rPr>
-              <a:t>	</a:t>
-            </a:r>
-            <a:r>
-              <a:rPr lang="en-US" dirty="0" smtClean="0">
-                <a:latin typeface="Courier New" panose="02070309020205020404" pitchFamily="49" charset="0"/>
-                <a:cs typeface="Courier New" panose="02070309020205020404" pitchFamily="49" charset="0"/>
-              </a:rPr>
-              <a:t>void loop() {</a:t>
+              <a:t>	void loop() {</a:t>
             </a:r>
           </a:p>
           <a:p>
@@ -5125,14 +5030,7 @@
                 <a:latin typeface="Courier New" panose="02070309020205020404" pitchFamily="49" charset="0"/>
                 <a:cs typeface="Courier New" panose="02070309020205020404" pitchFamily="49" charset="0"/>
               </a:rPr>
-              <a:t>	</a:t>
-            </a:r>
-            <a:r>
-              <a:rPr lang="en-US" dirty="0" smtClean="0">
-                <a:latin typeface="Courier New" panose="02070309020205020404" pitchFamily="49" charset="0"/>
-                <a:cs typeface="Courier New" panose="02070309020205020404" pitchFamily="49" charset="0"/>
-              </a:rPr>
-              <a:t>	…</a:t>
+              <a:t>		…</a:t>
             </a:r>
           </a:p>
           <a:p>
@@ -5140,7 +5038,7 @@
               <a:buNone/>
             </a:pPr>
             <a:r>
-              <a:rPr lang="en-US" dirty="0" smtClean="0">
+              <a:rPr lang="en-US" dirty="0">
                 <a:latin typeface="Courier New" panose="02070309020205020404" pitchFamily="49" charset="0"/>
                 <a:cs typeface="Courier New" panose="02070309020205020404" pitchFamily="49" charset="0"/>
               </a:rPr>
@@ -5218,7 +5116,7 @@
           <a:lstStyle/>
           <a:p>
             <a:r>
-              <a:rPr lang="en-US" altLang="ko-KR" dirty="0" smtClean="0"/>
+              <a:rPr lang="en-US" altLang="ko-KR" dirty="0"/>
               <a:t>Pins</a:t>
             </a:r>
             <a:endParaRPr lang="en-US" dirty="0"/>
@@ -5313,7 +5211,7 @@
           <a:lstStyle/>
           <a:p>
             <a:r>
-              <a:rPr lang="en-US" altLang="ko-KR" dirty="0" smtClean="0"/>
+              <a:rPr lang="en-US" altLang="ko-KR" dirty="0"/>
               <a:t>Arduino toolchain</a:t>
             </a:r>
             <a:endParaRPr lang="en-US" dirty="0"/>
@@ -5408,10 +5306,9 @@
           <a:lstStyle/>
           <a:p>
             <a:r>
-              <a:rPr lang="en-US" dirty="0" smtClean="0"/>
+              <a:rPr lang="en-US" dirty="0"/>
               <a:t>Pins</a:t>
             </a:r>
-            <a:endParaRPr lang="en-US" dirty="0"/>
           </a:p>
         </p:txBody>
       </p:sp>
@@ -5431,56 +5328,55 @@
           <a:lstStyle/>
           <a:p>
             <a:r>
-              <a:rPr lang="en-US" dirty="0" smtClean="0"/>
+              <a:rPr lang="en-US" dirty="0"/>
               <a:t>Pins are wires connected </a:t>
             </a:r>
             <a:br>
-              <a:rPr lang="en-US" dirty="0" smtClean="0"/>
+              <a:rPr lang="en-US" dirty="0"/>
             </a:br>
             <a:r>
-              <a:rPr lang="en-US" dirty="0" smtClean="0"/>
+              <a:rPr lang="en-US" dirty="0"/>
               <a:t>to the microcontroller</a:t>
             </a:r>
           </a:p>
           <a:p>
             <a:r>
-              <a:rPr lang="en-US" dirty="0" smtClean="0"/>
+              <a:rPr lang="en-US" dirty="0"/>
               <a:t>Pins are the interface </a:t>
             </a:r>
             <a:br>
-              <a:rPr lang="en-US" dirty="0" smtClean="0"/>
+              <a:rPr lang="en-US" dirty="0"/>
             </a:br>
             <a:r>
-              <a:rPr lang="en-US" dirty="0" smtClean="0"/>
+              <a:rPr lang="en-US" dirty="0"/>
               <a:t>of the microcontroller</a:t>
             </a:r>
           </a:p>
           <a:p>
             <a:r>
-              <a:rPr lang="en-US" dirty="0" smtClean="0"/>
+              <a:rPr lang="en-US" dirty="0"/>
               <a:t>Pin voltages are controlled </a:t>
             </a:r>
             <a:br>
-              <a:rPr lang="en-US" dirty="0" smtClean="0"/>
+              <a:rPr lang="en-US" dirty="0"/>
             </a:br>
             <a:r>
-              <a:rPr lang="en-US" dirty="0" smtClean="0"/>
+              <a:rPr lang="en-US" dirty="0"/>
               <a:t>by a sketch</a:t>
             </a:r>
           </a:p>
           <a:p>
             <a:r>
-              <a:rPr lang="en-US" dirty="0" smtClean="0"/>
+              <a:rPr lang="en-US" dirty="0"/>
               <a:t>Pin voltages can be read </a:t>
             </a:r>
             <a:br>
-              <a:rPr lang="en-US" dirty="0" smtClean="0"/>
+              <a:rPr lang="en-US" dirty="0"/>
             </a:br>
             <a:r>
-              <a:rPr lang="en-US" dirty="0" smtClean="0"/>
+              <a:rPr lang="en-US" dirty="0"/>
               <a:t>by a sketch</a:t>
             </a:r>
-            <a:endParaRPr lang="en-US" dirty="0"/>
           </a:p>
         </p:txBody>
       </p:sp>
@@ -5560,10 +5456,9 @@
           <a:lstStyle/>
           <a:p>
             <a:r>
-              <a:rPr lang="en-US" dirty="0" smtClean="0"/>
+              <a:rPr lang="en-US" dirty="0"/>
               <a:t>Digital I/O</a:t>
             </a:r>
-            <a:endParaRPr lang="en-US" dirty="0"/>
           </a:p>
         </p:txBody>
       </p:sp>
@@ -5590,10 +5485,9 @@
           <a:lstStyle/>
           <a:p>
             <a:r>
-              <a:rPr lang="en-US" dirty="0" smtClean="0"/>
+              <a:rPr lang="en-US" dirty="0"/>
               <a:t>Analog inputs</a:t>
             </a:r>
-            <a:endParaRPr lang="en-US" dirty="0"/>
           </a:p>
         </p:txBody>
       </p:sp>
@@ -5811,10 +5705,9 @@
           <a:lstStyle/>
           <a:p>
             <a:r>
-              <a:rPr lang="en-US" dirty="0" smtClean="0"/>
+              <a:rPr lang="en-US" dirty="0"/>
               <a:t>Output pins</a:t>
             </a:r>
-            <a:endParaRPr lang="en-US" dirty="0"/>
           </a:p>
         </p:txBody>
       </p:sp>
@@ -5834,42 +5727,42 @@
           <a:lstStyle/>
           <a:p>
             <a:r>
-              <a:rPr lang="en-US" dirty="0" smtClean="0"/>
+              <a:rPr lang="en-US" dirty="0"/>
               <a:t>Output pins are controlled </a:t>
             </a:r>
             <a:br>
-              <a:rPr lang="en-US" dirty="0" smtClean="0"/>
+              <a:rPr lang="en-US" dirty="0"/>
             </a:br>
             <a:r>
-              <a:rPr lang="en-US" dirty="0" smtClean="0"/>
+              <a:rPr lang="en-US" dirty="0"/>
               <a:t>by the Arduino</a:t>
             </a:r>
           </a:p>
           <a:p>
             <a:pPr lvl="1"/>
             <a:r>
-              <a:rPr lang="en-US" dirty="0" smtClean="0"/>
+              <a:rPr lang="en-US" dirty="0"/>
               <a:t>Voltage is determined</a:t>
             </a:r>
             <a:br>
-              <a:rPr lang="en-US" dirty="0" smtClean="0"/>
+              <a:rPr lang="en-US" dirty="0"/>
             </a:br>
             <a:r>
-              <a:rPr lang="en-US" dirty="0" smtClean="0"/>
+              <a:rPr lang="en-US" dirty="0"/>
               <a:t>by your sketch</a:t>
             </a:r>
           </a:p>
           <a:p>
             <a:pPr lvl="1"/>
             <a:r>
-              <a:rPr lang="en-US" dirty="0" smtClean="0"/>
+              <a:rPr lang="en-US" dirty="0"/>
               <a:t>Other components can be </a:t>
             </a:r>
             <a:br>
-              <a:rPr lang="en-US" dirty="0" smtClean="0"/>
+              <a:rPr lang="en-US" dirty="0"/>
             </a:br>
             <a:r>
-              <a:rPr lang="en-US" dirty="0" smtClean="0"/>
+              <a:rPr lang="en-US" dirty="0"/>
               <a:t>controlled through outputs</a:t>
             </a:r>
           </a:p>
@@ -6172,10 +6065,9 @@
           <a:lstStyle/>
           <a:p>
             <a:r>
-              <a:rPr lang="en-US" dirty="0" smtClean="0"/>
+              <a:rPr lang="en-US" dirty="0"/>
               <a:t>Input pins</a:t>
             </a:r>
-            <a:endParaRPr lang="en-US" dirty="0"/>
           </a:p>
         </p:txBody>
       </p:sp>
@@ -6195,42 +6087,42 @@
           <a:lstStyle/>
           <a:p>
             <a:r>
-              <a:rPr lang="en-US" dirty="0" smtClean="0"/>
+              <a:rPr lang="en-US" dirty="0"/>
               <a:t>Input pins are controlled </a:t>
             </a:r>
             <a:br>
-              <a:rPr lang="en-US" dirty="0" smtClean="0"/>
+              <a:rPr lang="en-US" dirty="0"/>
             </a:br>
             <a:r>
-              <a:rPr lang="en-US" dirty="0" smtClean="0"/>
+              <a:rPr lang="en-US" dirty="0"/>
               <a:t>by other components</a:t>
             </a:r>
           </a:p>
           <a:p>
             <a:pPr lvl="1"/>
             <a:r>
-              <a:rPr lang="en-US" dirty="0" smtClean="0"/>
+              <a:rPr lang="en-US" dirty="0"/>
               <a:t>Arduino reads the voltage </a:t>
             </a:r>
             <a:br>
-              <a:rPr lang="en-US" dirty="0" smtClean="0"/>
+              <a:rPr lang="en-US" dirty="0"/>
             </a:br>
             <a:r>
-              <a:rPr lang="en-US" dirty="0" smtClean="0"/>
+              <a:rPr lang="en-US" dirty="0"/>
               <a:t>on the pins</a:t>
             </a:r>
           </a:p>
           <a:p>
             <a:pPr lvl="1"/>
             <a:r>
-              <a:rPr lang="en-US" dirty="0" smtClean="0"/>
+              <a:rPr lang="en-US" dirty="0"/>
               <a:t>Allows it to respond </a:t>
             </a:r>
             <a:br>
-              <a:rPr lang="en-US" dirty="0" smtClean="0"/>
+              <a:rPr lang="en-US" dirty="0"/>
             </a:br>
             <a:r>
-              <a:rPr lang="en-US" dirty="0" smtClean="0"/>
+              <a:rPr lang="en-US" dirty="0"/>
               <a:t>to events and data</a:t>
             </a:r>
           </a:p>
@@ -6533,10 +6425,9 @@
           <a:lstStyle/>
           <a:p>
             <a:r>
-              <a:rPr lang="en-US" dirty="0" smtClean="0"/>
+              <a:rPr lang="en-US" dirty="0"/>
               <a:t>Digital vs. analog</a:t>
             </a:r>
-            <a:endParaRPr lang="en-US" dirty="0"/>
           </a:p>
         </p:txBody>
       </p:sp>
@@ -6556,56 +6447,55 @@
           <a:lstStyle/>
           <a:p>
             <a:r>
-              <a:rPr lang="en-US" dirty="0" smtClean="0"/>
+              <a:rPr lang="en-US" dirty="0"/>
               <a:t>Some pins are digital-only</a:t>
             </a:r>
           </a:p>
           <a:p>
             <a:pPr lvl="1"/>
             <a:r>
-              <a:rPr lang="en-US" dirty="0" smtClean="0"/>
+              <a:rPr lang="en-US" dirty="0"/>
               <a:t>Read digital input, write digital output</a:t>
             </a:r>
           </a:p>
           <a:p>
             <a:pPr lvl="1"/>
             <a:r>
-              <a:rPr lang="en-US" dirty="0" smtClean="0"/>
+              <a:rPr lang="en-US" dirty="0"/>
               <a:t>0 volts or 5 volts</a:t>
             </a:r>
           </a:p>
           <a:p>
             <a:r>
-              <a:rPr lang="en-US" dirty="0" smtClean="0"/>
+              <a:rPr lang="en-US" dirty="0"/>
               <a:t>Some pins can be analog inputs</a:t>
             </a:r>
           </a:p>
           <a:p>
             <a:pPr lvl="1"/>
             <a:r>
-              <a:rPr lang="en-US" dirty="0" smtClean="0"/>
+              <a:rPr lang="en-US" dirty="0"/>
               <a:t>Can read analog voltages on the pin</a:t>
             </a:r>
           </a:p>
           <a:p>
             <a:pPr lvl="1"/>
             <a:r>
-              <a:rPr lang="en-US" dirty="0" smtClean="0"/>
+              <a:rPr lang="en-US" dirty="0"/>
               <a:t>Useful for analog sensors</a:t>
             </a:r>
           </a:p>
           <a:p>
             <a:r>
-              <a:rPr lang="en-US" dirty="0" smtClean="0"/>
+              <a:rPr lang="en-US" dirty="0"/>
               <a:t>Analog-only pins are clearly labeled</a:t>
             </a:r>
           </a:p>
           <a:p>
             <a:r>
-              <a:rPr lang="en-US" dirty="0" smtClean="0"/>
+              <a:rPr lang="en-US" dirty="0"/>
               <a:t>No pins can generate an analog output</a:t>
             </a:r>
-            <a:endParaRPr lang="en-US" dirty="0"/>
           </a:p>
         </p:txBody>
       </p:sp>
@@ -6678,7 +6568,7 @@
           <a:lstStyle/>
           <a:p>
             <a:r>
-              <a:rPr lang="en-US" altLang="ko-KR" dirty="0" smtClean="0"/>
+              <a:rPr lang="en-US" altLang="ko-KR" dirty="0"/>
               <a:t>Input and output</a:t>
             </a:r>
             <a:endParaRPr lang="en-US" dirty="0"/>
@@ -6773,10 +6663,9 @@
           <a:lstStyle/>
           <a:p>
             <a:r>
-              <a:rPr lang="en-US" dirty="0" smtClean="0"/>
+              <a:rPr lang="en-US" dirty="0"/>
               <a:t>Input/output (I/O)</a:t>
             </a:r>
-            <a:endParaRPr lang="en-US" dirty="0"/>
           </a:p>
         </p:txBody>
       </p:sp>
@@ -6796,7 +6685,7 @@
           <a:lstStyle/>
           <a:p>
             <a:r>
-              <a:rPr lang="en-US" dirty="0" smtClean="0"/>
+              <a:rPr lang="en-US" dirty="0"/>
               <a:t>These functions allow access to the pins</a:t>
             </a:r>
           </a:p>
@@ -6805,21 +6694,21 @@
               <a:buNone/>
             </a:pPr>
             <a:r>
-              <a:rPr lang="en-US" dirty="0" smtClean="0">
+              <a:rPr lang="en-US" dirty="0">
                 <a:latin typeface="Courier New" panose="02070309020205020404" pitchFamily="49" charset="0"/>
                 <a:cs typeface="Courier New" panose="02070309020205020404" pitchFamily="49" charset="0"/>
               </a:rPr>
               <a:t>void </a:t>
             </a:r>
             <a:r>
-              <a:rPr lang="en-US" dirty="0" err="1" smtClean="0">
+              <a:rPr lang="en-US" dirty="0" err="1">
                 <a:latin typeface="Courier New" panose="02070309020205020404" pitchFamily="49" charset="0"/>
                 <a:cs typeface="Courier New" panose="02070309020205020404" pitchFamily="49" charset="0"/>
               </a:rPr>
               <a:t>pinMode</a:t>
             </a:r>
             <a:r>
-              <a:rPr lang="en-US" dirty="0" smtClean="0">
+              <a:rPr lang="en-US" dirty="0">
                 <a:latin typeface="Courier New" panose="02070309020205020404" pitchFamily="49" charset="0"/>
                 <a:cs typeface="Courier New" panose="02070309020205020404" pitchFamily="49" charset="0"/>
               </a:rPr>
@@ -6828,7 +6717,7 @@
           </a:p>
           <a:p>
             <a:r>
-              <a:rPr lang="en-US" dirty="0" smtClean="0"/>
+              <a:rPr lang="en-US" dirty="0"/>
               <a:t>Sets a pin to act as either an input or an output</a:t>
             </a:r>
           </a:p>
@@ -6838,45 +6727,38 @@
                 <a:latin typeface="Courier New" panose="02070309020205020404" pitchFamily="49" charset="0"/>
                 <a:cs typeface="Courier New" panose="02070309020205020404" pitchFamily="49" charset="0"/>
               </a:rPr>
-              <a:t>p</a:t>
-            </a:r>
-            <a:r>
-              <a:rPr lang="en-US" dirty="0" smtClean="0">
-                <a:latin typeface="Courier New" panose="02070309020205020404" pitchFamily="49" charset="0"/>
-                <a:cs typeface="Courier New" panose="02070309020205020404" pitchFamily="49" charset="0"/>
-              </a:rPr>
-              <a:t>in</a:t>
-            </a:r>
-            <a:r>
-              <a:rPr lang="en-US" dirty="0" smtClean="0"/>
+              <a:t>pin</a:t>
+            </a:r>
+            <a:r>
+              <a:rPr lang="en-US" dirty="0"/>
               <a:t> is the number of the pin</a:t>
             </a:r>
           </a:p>
           <a:p>
             <a:pPr lvl="1"/>
             <a:r>
-              <a:rPr lang="en-US" dirty="0" smtClean="0">
+              <a:rPr lang="en-US" dirty="0">
                 <a:latin typeface="Courier New" panose="02070309020205020404" pitchFamily="49" charset="0"/>
                 <a:cs typeface="Courier New" panose="02070309020205020404" pitchFamily="49" charset="0"/>
               </a:rPr>
               <a:t>0-13</a:t>
             </a:r>
             <a:r>
-              <a:rPr lang="en-US" dirty="0" smtClean="0"/>
+              <a:rPr lang="en-US" dirty="0"/>
               <a:t> for the digital pins</a:t>
             </a:r>
           </a:p>
           <a:p>
             <a:pPr lvl="1"/>
             <a:r>
-              <a:rPr lang="en-US" dirty="0" smtClean="0">
+              <a:rPr lang="en-US" dirty="0">
                 <a:latin typeface="Courier New" panose="02070309020205020404" pitchFamily="49" charset="0"/>
                 <a:cs typeface="Courier New" panose="02070309020205020404" pitchFamily="49" charset="0"/>
               </a:rPr>
               <a:t>A0-A5</a:t>
             </a:r>
             <a:r>
-              <a:rPr lang="en-US" dirty="0" smtClean="0"/>
+              <a:rPr lang="en-US" dirty="0"/>
               <a:t> for the analog pins</a:t>
             </a:r>
           </a:p>
@@ -6886,35 +6768,28 @@
                 <a:latin typeface="Courier New" panose="02070309020205020404" pitchFamily="49" charset="0"/>
                 <a:cs typeface="Courier New" panose="02070309020205020404" pitchFamily="49" charset="0"/>
               </a:rPr>
-              <a:t>m</a:t>
-            </a:r>
-            <a:r>
-              <a:rPr lang="en-US" dirty="0" smtClean="0">
-                <a:latin typeface="Courier New" panose="02070309020205020404" pitchFamily="49" charset="0"/>
-                <a:cs typeface="Courier New" panose="02070309020205020404" pitchFamily="49" charset="0"/>
-              </a:rPr>
-              <a:t>ode</a:t>
-            </a:r>
-            <a:r>
-              <a:rPr lang="en-US" dirty="0" smtClean="0"/>
+              <a:t>mode</a:t>
+            </a:r>
+            <a:r>
+              <a:rPr lang="en-US" dirty="0"/>
               <a:t> is the I/O mode the pin is set to</a:t>
             </a:r>
           </a:p>
           <a:p>
             <a:pPr lvl="1"/>
             <a:r>
-              <a:rPr lang="en-US" dirty="0" smtClean="0">
+              <a:rPr lang="en-US" dirty="0">
                 <a:latin typeface="Courier New" panose="02070309020205020404" pitchFamily="49" charset="0"/>
                 <a:cs typeface="Courier New" panose="02070309020205020404" pitchFamily="49" charset="0"/>
               </a:rPr>
               <a:t>INPUT, OUTPUT, </a:t>
             </a:r>
             <a:r>
-              <a:rPr lang="en-US" dirty="0" smtClean="0"/>
+              <a:rPr lang="en-US" dirty="0"/>
               <a:t>or </a:t>
             </a:r>
             <a:r>
-              <a:rPr lang="en-US" dirty="0" smtClean="0">
+              <a:rPr lang="en-US" dirty="0">
                 <a:latin typeface="Courier New" panose="02070309020205020404" pitchFamily="49" charset="0"/>
                 <a:cs typeface="Courier New" panose="02070309020205020404" pitchFamily="49" charset="0"/>
               </a:rPr>
@@ -6924,17 +6799,16 @@
           <a:p>
             <a:pPr lvl="1"/>
             <a:r>
-              <a:rPr lang="en-US" dirty="0" smtClean="0">
+              <a:rPr lang="en-US" dirty="0">
                 <a:latin typeface="Courier New" panose="02070309020205020404" pitchFamily="49" charset="0"/>
                 <a:cs typeface="Courier New" panose="02070309020205020404" pitchFamily="49" charset="0"/>
               </a:rPr>
               <a:t>INPUT_PULLUP</a:t>
             </a:r>
             <a:r>
-              <a:rPr lang="en-US" dirty="0" smtClean="0"/>
+              <a:rPr lang="en-US" dirty="0"/>
               <a:t> acts as input with reversed polarity</a:t>
             </a:r>
-            <a:endParaRPr lang="en-US" dirty="0"/>
           </a:p>
         </p:txBody>
       </p:sp>
@@ -7007,10 +6881,9 @@
           <a:lstStyle/>
           <a:p>
             <a:r>
-              <a:rPr lang="en-US" dirty="0" smtClean="0"/>
+              <a:rPr lang="en-US" dirty="0"/>
               <a:t>Digital input</a:t>
             </a:r>
-            <a:endParaRPr lang="en-US" dirty="0"/>
           </a:p>
         </p:txBody>
       </p:sp>
@@ -7037,31 +6910,24 @@
                 <a:latin typeface="Courier New" panose="02070309020205020404" pitchFamily="49" charset="0"/>
                 <a:cs typeface="Courier New" panose="02070309020205020404" pitchFamily="49" charset="0"/>
               </a:rPr>
-              <a:t>i</a:t>
-            </a:r>
-            <a:r>
-              <a:rPr lang="en-US" dirty="0" err="1" smtClean="0">
-                <a:latin typeface="Courier New" panose="02070309020205020404" pitchFamily="49" charset="0"/>
-                <a:cs typeface="Courier New" panose="02070309020205020404" pitchFamily="49" charset="0"/>
-              </a:rPr>
-              <a:t>nt</a:t>
-            </a:r>
-            <a:r>
-              <a:rPr lang="en-US" dirty="0" smtClean="0">
+              <a:t>int</a:t>
+            </a:r>
+            <a:r>
+              <a:rPr lang="en-US" dirty="0">
                 <a:latin typeface="Courier New" panose="02070309020205020404" pitchFamily="49" charset="0"/>
                 <a:cs typeface="Courier New" panose="02070309020205020404" pitchFamily="49" charset="0"/>
               </a:rPr>
               <a:t> </a:t>
             </a:r>
             <a:r>
-              <a:rPr lang="en-US" dirty="0" err="1" smtClean="0">
+              <a:rPr lang="en-US" dirty="0" err="1">
                 <a:latin typeface="Courier New" panose="02070309020205020404" pitchFamily="49" charset="0"/>
                 <a:cs typeface="Courier New" panose="02070309020205020404" pitchFamily="49" charset="0"/>
               </a:rPr>
               <a:t>digitalRead</a:t>
             </a:r>
             <a:r>
-              <a:rPr lang="en-US" dirty="0" smtClean="0">
+              <a:rPr lang="en-US" dirty="0">
                 <a:latin typeface="Courier New" panose="02070309020205020404" pitchFamily="49" charset="0"/>
                 <a:cs typeface="Courier New" panose="02070309020205020404" pitchFamily="49" charset="0"/>
               </a:rPr>
@@ -7071,42 +6937,42 @@
           <a:p>
             <a:pPr lvl="1"/>
             <a:r>
-              <a:rPr lang="en-US" dirty="0" smtClean="0"/>
+              <a:rPr lang="en-US" dirty="0"/>
               <a:t>Returns the state of an input pin</a:t>
             </a:r>
           </a:p>
           <a:p>
             <a:pPr lvl="1"/>
             <a:r>
-              <a:rPr lang="en-US" dirty="0" smtClean="0"/>
+              <a:rPr lang="en-US" dirty="0"/>
               <a:t>Returns either </a:t>
             </a:r>
             <a:r>
-              <a:rPr lang="en-US" dirty="0" smtClean="0">
+              <a:rPr lang="en-US" dirty="0">
                 <a:latin typeface="Courier New" panose="02070309020205020404" pitchFamily="49" charset="0"/>
                 <a:cs typeface="Courier New" panose="02070309020205020404" pitchFamily="49" charset="0"/>
               </a:rPr>
               <a:t>LOW</a:t>
             </a:r>
             <a:r>
-              <a:rPr lang="en-US" dirty="0" smtClean="0"/>
+              <a:rPr lang="en-US" dirty="0"/>
               <a:t> (0 volts) or </a:t>
             </a:r>
             <a:r>
-              <a:rPr lang="en-US" dirty="0" smtClean="0">
+              <a:rPr lang="en-US" dirty="0">
                 <a:latin typeface="Courier New" panose="02070309020205020404" pitchFamily="49" charset="0"/>
                 <a:cs typeface="Courier New" panose="02070309020205020404" pitchFamily="49" charset="0"/>
               </a:rPr>
               <a:t>HIGH</a:t>
             </a:r>
             <a:r>
-              <a:rPr lang="en-US" dirty="0" smtClean="0"/>
+              <a:rPr lang="en-US" dirty="0"/>
               <a:t> (5 volts)</a:t>
             </a:r>
           </a:p>
           <a:p>
             <a:r>
-              <a:rPr lang="en-US" dirty="0" smtClean="0"/>
+              <a:rPr lang="en-US" dirty="0"/>
               <a:t>Example</a:t>
             </a:r>
           </a:p>
@@ -7115,28 +6981,28 @@
               <a:buNone/>
             </a:pPr>
             <a:r>
-              <a:rPr lang="en-US" dirty="0" err="1" smtClean="0">
+              <a:rPr lang="en-US" dirty="0" err="1">
                 <a:latin typeface="Courier New" panose="02070309020205020404" pitchFamily="49" charset="0"/>
                 <a:cs typeface="Courier New" panose="02070309020205020404" pitchFamily="49" charset="0"/>
               </a:rPr>
               <a:t>int</a:t>
             </a:r>
             <a:r>
-              <a:rPr lang="en-US" dirty="0" smtClean="0">
+              <a:rPr lang="en-US" dirty="0">
                 <a:latin typeface="Courier New" panose="02070309020205020404" pitchFamily="49" charset="0"/>
                 <a:cs typeface="Courier New" panose="02070309020205020404" pitchFamily="49" charset="0"/>
               </a:rPr>
               <a:t> </a:t>
             </a:r>
             <a:r>
-              <a:rPr lang="en-US" dirty="0" err="1" smtClean="0">
+              <a:rPr lang="en-US" dirty="0" err="1">
                 <a:latin typeface="Courier New" panose="02070309020205020404" pitchFamily="49" charset="0"/>
                 <a:cs typeface="Courier New" panose="02070309020205020404" pitchFamily="49" charset="0"/>
               </a:rPr>
               <a:t>pinval</a:t>
             </a:r>
             <a:r>
-              <a:rPr lang="en-US" dirty="0" smtClean="0">
+              <a:rPr lang="en-US" dirty="0">
                 <a:latin typeface="Courier New" panose="02070309020205020404" pitchFamily="49" charset="0"/>
                 <a:cs typeface="Courier New" panose="02070309020205020404" pitchFamily="49" charset="0"/>
               </a:rPr>
@@ -7148,28 +7014,28 @@
               <a:buNone/>
             </a:pPr>
             <a:r>
-              <a:rPr lang="en-US" dirty="0" err="1" smtClean="0">
+              <a:rPr lang="en-US" dirty="0" err="1">
                 <a:latin typeface="Courier New" panose="02070309020205020404" pitchFamily="49" charset="0"/>
                 <a:cs typeface="Courier New" panose="02070309020205020404" pitchFamily="49" charset="0"/>
               </a:rPr>
               <a:t>pinval</a:t>
             </a:r>
             <a:r>
-              <a:rPr lang="en-US" dirty="0" smtClean="0">
+              <a:rPr lang="en-US" dirty="0">
                 <a:latin typeface="Courier New" panose="02070309020205020404" pitchFamily="49" charset="0"/>
                 <a:cs typeface="Courier New" panose="02070309020205020404" pitchFamily="49" charset="0"/>
               </a:rPr>
               <a:t> = </a:t>
             </a:r>
             <a:r>
-              <a:rPr lang="en-US" dirty="0" err="1" smtClean="0">
+              <a:rPr lang="en-US" dirty="0" err="1">
                 <a:latin typeface="Courier New" panose="02070309020205020404" pitchFamily="49" charset="0"/>
                 <a:cs typeface="Courier New" panose="02070309020205020404" pitchFamily="49" charset="0"/>
               </a:rPr>
               <a:t>digitalRead</a:t>
             </a:r>
             <a:r>
-              <a:rPr lang="en-US" dirty="0" smtClean="0">
+              <a:rPr lang="en-US" dirty="0">
                 <a:latin typeface="Courier New" panose="02070309020205020404" pitchFamily="49" charset="0"/>
                 <a:cs typeface="Courier New" panose="02070309020205020404" pitchFamily="49" charset="0"/>
               </a:rPr>
@@ -7180,42 +7046,31 @@
             <a:pPr marL="457200" lvl="1" indent="0">
               <a:buNone/>
             </a:pPr>
-            <a:endParaRPr lang="en-US" dirty="0" smtClean="0">
-              <a:latin typeface="Courier New" panose="02070309020205020404" pitchFamily="49" charset="0"/>
-              <a:cs typeface="Courier New" panose="02070309020205020404" pitchFamily="49" charset="0"/>
-            </a:endParaRPr>
-          </a:p>
-          <a:p>
-            <a:pPr lvl="1"/>
-            <a:r>
-              <a:rPr lang="en-US" dirty="0" err="1">
-                <a:latin typeface="Courier New" panose="02070309020205020404" pitchFamily="49" charset="0"/>
-                <a:cs typeface="Courier New" panose="02070309020205020404" pitchFamily="49" charset="0"/>
-              </a:rPr>
-              <a:t>p</a:t>
-            </a:r>
-            <a:r>
-              <a:rPr lang="en-US" dirty="0" err="1" smtClean="0">
-                <a:latin typeface="Courier New" panose="02070309020205020404" pitchFamily="49" charset="0"/>
-                <a:cs typeface="Courier New" panose="02070309020205020404" pitchFamily="49" charset="0"/>
-              </a:rPr>
-              <a:t>inval</a:t>
-            </a:r>
-            <a:r>
-              <a:rPr lang="en-US" dirty="0" smtClean="0"/>
-              <a:t> is set to the state of digital pin </a:t>
-            </a:r>
-            <a:r>
-              <a:rPr lang="en-US" dirty="0" smtClean="0">
-                <a:latin typeface="Courier New" panose="02070309020205020404" pitchFamily="49" charset="0"/>
-                <a:cs typeface="Courier New" panose="02070309020205020404" pitchFamily="49" charset="0"/>
-              </a:rPr>
-              <a:t>3</a:t>
-            </a:r>
             <a:endParaRPr lang="en-US" dirty="0">
               <a:latin typeface="Courier New" panose="02070309020205020404" pitchFamily="49" charset="0"/>
               <a:cs typeface="Courier New" panose="02070309020205020404" pitchFamily="49" charset="0"/>
             </a:endParaRPr>
+          </a:p>
+          <a:p>
+            <a:pPr lvl="1"/>
+            <a:r>
+              <a:rPr lang="en-US" dirty="0" err="1">
+                <a:latin typeface="Courier New" panose="02070309020205020404" pitchFamily="49" charset="0"/>
+                <a:cs typeface="Courier New" panose="02070309020205020404" pitchFamily="49" charset="0"/>
+              </a:rPr>
+              <a:t>pinval</a:t>
+            </a:r>
+            <a:r>
+              <a:rPr lang="en-US" dirty="0"/>
+              <a:t> is set to the state of digital pin </a:t>
+            </a:r>
+            <a:r>
+              <a:rPr lang="en-US" dirty="0">
+                <a:latin typeface="Courier New" panose="02070309020205020404" pitchFamily="49" charset="0"/>
+                <a:cs typeface="Courier New" panose="02070309020205020404" pitchFamily="49" charset="0"/>
+              </a:rPr>
+              <a:t>3</a:t>
+            </a:r>
           </a:p>
         </p:txBody>
       </p:sp>
@@ -7288,10 +7143,9 @@
           <a:lstStyle/>
           <a:p>
             <a:r>
-              <a:rPr lang="en-US" dirty="0" smtClean="0"/>
+              <a:rPr lang="en-US" dirty="0"/>
               <a:t>Digital output</a:t>
             </a:r>
-            <a:endParaRPr lang="en-US" dirty="0"/>
           </a:p>
         </p:txBody>
       </p:sp>
@@ -7314,21 +7168,21 @@
               <a:buNone/>
             </a:pPr>
             <a:r>
-              <a:rPr lang="en-US" dirty="0" smtClean="0">
+              <a:rPr lang="en-US" dirty="0">
                 <a:latin typeface="Courier New" panose="02070309020205020404" pitchFamily="49" charset="0"/>
                 <a:cs typeface="Courier New" panose="02070309020205020404" pitchFamily="49" charset="0"/>
               </a:rPr>
               <a:t>void </a:t>
             </a:r>
             <a:r>
-              <a:rPr lang="en-US" dirty="0" err="1" smtClean="0">
+              <a:rPr lang="en-US" dirty="0" err="1">
                 <a:latin typeface="Courier New" panose="02070309020205020404" pitchFamily="49" charset="0"/>
                 <a:cs typeface="Courier New" panose="02070309020205020404" pitchFamily="49" charset="0"/>
               </a:rPr>
               <a:t>digitalWrite</a:t>
             </a:r>
             <a:r>
-              <a:rPr lang="en-US" dirty="0" smtClean="0">
+              <a:rPr lang="en-US" dirty="0">
                 <a:latin typeface="Courier New" panose="02070309020205020404" pitchFamily="49" charset="0"/>
                 <a:cs typeface="Courier New" panose="02070309020205020404" pitchFamily="49" charset="0"/>
               </a:rPr>
@@ -7338,42 +7192,42 @@
           <a:p>
             <a:pPr lvl="1"/>
             <a:r>
-              <a:rPr lang="en-US" dirty="0" smtClean="0"/>
+              <a:rPr lang="en-US" dirty="0"/>
               <a:t>Assigns the state of an output pin</a:t>
             </a:r>
           </a:p>
           <a:p>
             <a:pPr lvl="1"/>
             <a:r>
-              <a:rPr lang="en-US" dirty="0" smtClean="0"/>
+              <a:rPr lang="en-US" dirty="0"/>
               <a:t>Assigns either </a:t>
             </a:r>
             <a:r>
-              <a:rPr lang="en-US" dirty="0" smtClean="0">
+              <a:rPr lang="en-US" dirty="0">
                 <a:latin typeface="Courier New" panose="02070309020205020404" pitchFamily="49" charset="0"/>
                 <a:cs typeface="Courier New" panose="02070309020205020404" pitchFamily="49" charset="0"/>
               </a:rPr>
               <a:t>LOW</a:t>
             </a:r>
             <a:r>
-              <a:rPr lang="en-US" dirty="0" smtClean="0"/>
+              <a:rPr lang="en-US" dirty="0"/>
               <a:t> (0 volts) or </a:t>
             </a:r>
             <a:r>
-              <a:rPr lang="en-US" dirty="0" smtClean="0">
+              <a:rPr lang="en-US" dirty="0">
                 <a:latin typeface="Courier New" panose="02070309020205020404" pitchFamily="49" charset="0"/>
                 <a:cs typeface="Courier New" panose="02070309020205020404" pitchFamily="49" charset="0"/>
               </a:rPr>
               <a:t>HIGH</a:t>
             </a:r>
             <a:r>
-              <a:rPr lang="en-US" dirty="0" smtClean="0"/>
+              <a:rPr lang="en-US" dirty="0"/>
               <a:t> (5 volts)</a:t>
             </a:r>
           </a:p>
           <a:p>
             <a:r>
-              <a:rPr lang="en-US" dirty="0" smtClean="0"/>
+              <a:rPr lang="en-US" dirty="0"/>
               <a:t>Example</a:t>
             </a:r>
           </a:p>
@@ -7382,14 +7236,14 @@
               <a:buNone/>
             </a:pPr>
             <a:r>
-              <a:rPr lang="en-US" dirty="0" err="1" smtClean="0">
+              <a:rPr lang="en-US" dirty="0" err="1">
                 <a:latin typeface="Courier New" panose="02070309020205020404" pitchFamily="49" charset="0"/>
                 <a:cs typeface="Courier New" panose="02070309020205020404" pitchFamily="49" charset="0"/>
               </a:rPr>
               <a:t>digitalWrite</a:t>
             </a:r>
             <a:r>
-              <a:rPr lang="en-US" dirty="0" smtClean="0">
+              <a:rPr lang="en-US" dirty="0">
                 <a:latin typeface="Courier New" panose="02070309020205020404" pitchFamily="49" charset="0"/>
                 <a:cs typeface="Courier New" panose="02070309020205020404" pitchFamily="49" charset="0"/>
               </a:rPr>
@@ -7400,7 +7254,7 @@
             <a:pPr marL="457200" lvl="1" indent="0">
               <a:buNone/>
             </a:pPr>
-            <a:endParaRPr lang="en-US" dirty="0" smtClean="0">
+            <a:endParaRPr lang="en-US" dirty="0">
               <a:latin typeface="Courier New" panose="02070309020205020404" pitchFamily="49" charset="0"/>
               <a:cs typeface="Courier New" panose="02070309020205020404" pitchFamily="49" charset="0"/>
             </a:endParaRPr>
@@ -7419,12 +7273,8 @@
               <a:t>3 </a:t>
             </a:r>
             <a:r>
-              <a:rPr lang="en-US" dirty="0" smtClean="0"/>
-              <a:t>is set </a:t>
-            </a:r>
-            <a:r>
-              <a:rPr lang="en-US" dirty="0"/>
-              <a:t> </a:t>
+              <a:rPr lang="en-US" dirty="0"/>
+              <a:t>is set  </a:t>
             </a:r>
             <a:r>
               <a:rPr lang="en-US" dirty="0">
@@ -7513,10 +7363,9 @@
           <a:lstStyle/>
           <a:p>
             <a:r>
-              <a:rPr lang="en-US" dirty="0" smtClean="0"/>
+              <a:rPr lang="en-US" dirty="0"/>
               <a:t>Analog input</a:t>
             </a:r>
-            <a:endParaRPr lang="en-US" dirty="0"/>
           </a:p>
         </p:txBody>
       </p:sp>
@@ -7541,28 +7390,28 @@
               <a:buNone/>
             </a:pPr>
             <a:r>
-              <a:rPr lang="en-US" dirty="0" err="1" smtClean="0">
+              <a:rPr lang="en-US" dirty="0" err="1">
                 <a:latin typeface="Courier New" panose="02070309020205020404" pitchFamily="49" charset="0"/>
                 <a:cs typeface="Courier New" panose="02070309020205020404" pitchFamily="49" charset="0"/>
               </a:rPr>
               <a:t>int</a:t>
             </a:r>
             <a:r>
-              <a:rPr lang="en-US" dirty="0" smtClean="0">
+              <a:rPr lang="en-US" dirty="0">
                 <a:latin typeface="Courier New" panose="02070309020205020404" pitchFamily="49" charset="0"/>
                 <a:cs typeface="Courier New" panose="02070309020205020404" pitchFamily="49" charset="0"/>
               </a:rPr>
               <a:t> </a:t>
             </a:r>
             <a:r>
-              <a:rPr lang="en-US" dirty="0" err="1" smtClean="0">
+              <a:rPr lang="en-US" dirty="0" err="1">
                 <a:latin typeface="Courier New" panose="02070309020205020404" pitchFamily="49" charset="0"/>
                 <a:cs typeface="Courier New" panose="02070309020205020404" pitchFamily="49" charset="0"/>
               </a:rPr>
               <a:t>analogRead</a:t>
             </a:r>
             <a:r>
-              <a:rPr lang="en-US" dirty="0" smtClean="0">
+              <a:rPr lang="en-US" dirty="0">
                 <a:latin typeface="Courier New" panose="02070309020205020404" pitchFamily="49" charset="0"/>
                 <a:cs typeface="Courier New" panose="02070309020205020404" pitchFamily="49" charset="0"/>
               </a:rPr>
@@ -7572,27 +7421,27 @@
           <a:p>
             <a:pPr lvl="1"/>
             <a:r>
-              <a:rPr lang="en-US" dirty="0" smtClean="0"/>
+              <a:rPr lang="en-US" dirty="0"/>
               <a:t>Returns the state of an analog input pin</a:t>
             </a:r>
           </a:p>
           <a:p>
             <a:pPr lvl="1"/>
             <a:r>
-              <a:rPr lang="en-US" dirty="0" smtClean="0"/>
+              <a:rPr lang="en-US" dirty="0"/>
               <a:t>Returns an integer from 0 to 1023</a:t>
             </a:r>
           </a:p>
           <a:p>
             <a:pPr lvl="1"/>
             <a:r>
-              <a:rPr lang="en-US" dirty="0" smtClean="0"/>
+              <a:rPr lang="en-US" dirty="0"/>
               <a:t>0 for 0 volts, 1023 for 5 volts</a:t>
             </a:r>
           </a:p>
           <a:p>
             <a:r>
-              <a:rPr lang="en-US" dirty="0" smtClean="0"/>
+              <a:rPr lang="en-US" dirty="0"/>
               <a:t>Example</a:t>
             </a:r>
           </a:p>
@@ -7601,28 +7450,28 @@
               <a:buNone/>
             </a:pPr>
             <a:r>
-              <a:rPr lang="en-US" dirty="0" err="1" smtClean="0">
+              <a:rPr lang="en-US" dirty="0" err="1">
                 <a:latin typeface="Courier New" panose="02070309020205020404" pitchFamily="49" charset="0"/>
                 <a:cs typeface="Courier New" panose="02070309020205020404" pitchFamily="49" charset="0"/>
               </a:rPr>
               <a:t>int</a:t>
             </a:r>
             <a:r>
-              <a:rPr lang="en-US" dirty="0" smtClean="0">
+              <a:rPr lang="en-US" dirty="0">
                 <a:latin typeface="Courier New" panose="02070309020205020404" pitchFamily="49" charset="0"/>
                 <a:cs typeface="Courier New" panose="02070309020205020404" pitchFamily="49" charset="0"/>
               </a:rPr>
               <a:t> </a:t>
             </a:r>
             <a:r>
-              <a:rPr lang="en-US" dirty="0" err="1" smtClean="0">
+              <a:rPr lang="en-US" dirty="0" err="1">
                 <a:latin typeface="Courier New" panose="02070309020205020404" pitchFamily="49" charset="0"/>
                 <a:cs typeface="Courier New" panose="02070309020205020404" pitchFamily="49" charset="0"/>
               </a:rPr>
               <a:t>pinval</a:t>
             </a:r>
             <a:r>
-              <a:rPr lang="en-US" dirty="0" smtClean="0">
+              <a:rPr lang="en-US" dirty="0">
                 <a:latin typeface="Courier New" panose="02070309020205020404" pitchFamily="49" charset="0"/>
                 <a:cs typeface="Courier New" panose="02070309020205020404" pitchFamily="49" charset="0"/>
               </a:rPr>
@@ -7638,31 +7487,24 @@
                 <a:latin typeface="Courier New" panose="02070309020205020404" pitchFamily="49" charset="0"/>
                 <a:cs typeface="Courier New" panose="02070309020205020404" pitchFamily="49" charset="0"/>
               </a:rPr>
-              <a:t>p</a:t>
-            </a:r>
-            <a:r>
-              <a:rPr lang="en-US" dirty="0" err="1" smtClean="0">
-                <a:latin typeface="Courier New" panose="02070309020205020404" pitchFamily="49" charset="0"/>
-                <a:cs typeface="Courier New" panose="02070309020205020404" pitchFamily="49" charset="0"/>
-              </a:rPr>
-              <a:t>inval</a:t>
-            </a:r>
-            <a:r>
-              <a:rPr lang="en-US" dirty="0" smtClean="0">
+              <a:t>pinval</a:t>
+            </a:r>
+            <a:r>
+              <a:rPr lang="en-US" dirty="0">
                 <a:latin typeface="Courier New" panose="02070309020205020404" pitchFamily="49" charset="0"/>
                 <a:cs typeface="Courier New" panose="02070309020205020404" pitchFamily="49" charset="0"/>
               </a:rPr>
               <a:t> = </a:t>
             </a:r>
             <a:r>
-              <a:rPr lang="en-US" dirty="0" err="1" smtClean="0">
+              <a:rPr lang="en-US" dirty="0" err="1">
                 <a:latin typeface="Courier New" panose="02070309020205020404" pitchFamily="49" charset="0"/>
                 <a:cs typeface="Courier New" panose="02070309020205020404" pitchFamily="49" charset="0"/>
               </a:rPr>
               <a:t>analogRead</a:t>
             </a:r>
             <a:r>
-              <a:rPr lang="en-US" dirty="0" smtClean="0">
+              <a:rPr lang="en-US" dirty="0">
                 <a:latin typeface="Courier New" panose="02070309020205020404" pitchFamily="49" charset="0"/>
                 <a:cs typeface="Courier New" panose="02070309020205020404" pitchFamily="49" charset="0"/>
               </a:rPr>
@@ -7673,7 +7515,7 @@
             <a:pPr marL="457200" lvl="1" indent="0">
               <a:buNone/>
             </a:pPr>
-            <a:endParaRPr lang="en-US" dirty="0" smtClean="0">
+            <a:endParaRPr lang="en-US" dirty="0">
               <a:latin typeface="Courier New" panose="02070309020205020404" pitchFamily="49" charset="0"/>
               <a:cs typeface="Courier New" panose="02070309020205020404" pitchFamily="49" charset="0"/>
             </a:endParaRPr>
@@ -7695,29 +7537,21 @@
               <a:t> </a:t>
             </a:r>
             <a:r>
-              <a:rPr lang="en-US" dirty="0" smtClean="0"/>
+              <a:rPr lang="en-US" dirty="0"/>
               <a:t>is set to the voltage on </a:t>
             </a:r>
             <a:r>
-              <a:rPr lang="en-US" dirty="0" smtClean="0">
+              <a:rPr lang="en-US" dirty="0">
                 <a:latin typeface="Courier New" panose="02070309020205020404" pitchFamily="49" charset="0"/>
                 <a:cs typeface="Courier New" panose="02070309020205020404" pitchFamily="49" charset="0"/>
               </a:rPr>
               <a:t>A3 </a:t>
             </a:r>
             <a:r>
-              <a:rPr lang="en-US" dirty="0" smtClean="0"/>
-              <a:t>(0 for </a:t>
-            </a:r>
-            <a:r>
-              <a:rPr lang="en-US" dirty="0"/>
-              <a:t>0 volts, 1023 for 5 </a:t>
-            </a:r>
-            <a:r>
-              <a:rPr lang="en-US" dirty="0" smtClean="0"/>
-              <a:t>volts)</a:t>
-            </a:r>
-            <a:endParaRPr lang="en-US" dirty="0" smtClean="0">
+              <a:rPr lang="en-US" dirty="0"/>
+              <a:t>(0 for 0 volts, 1023 for 5 volts)</a:t>
+            </a:r>
+            <a:endParaRPr lang="en-US" dirty="0">
               <a:latin typeface="Courier New" panose="02070309020205020404" pitchFamily="49" charset="0"/>
               <a:cs typeface="Courier New" panose="02070309020205020404" pitchFamily="49" charset="0"/>
             </a:endParaRPr>
@@ -7725,14 +7559,11 @@
           <a:p>
             <a:pPr lvl="1"/>
             <a:r>
-              <a:rPr lang="en-US" dirty="0" smtClean="0">
+              <a:rPr lang="en-US" dirty="0">
                 <a:cs typeface="Courier New" panose="02070309020205020404" pitchFamily="49" charset="0"/>
               </a:rPr>
               <a:t>The pin must be an analog pin</a:t>
             </a:r>
-            <a:endParaRPr lang="en-US" dirty="0">
-              <a:cs typeface="Courier New" panose="02070309020205020404" pitchFamily="49" charset="0"/>
-            </a:endParaRPr>
           </a:p>
         </p:txBody>
       </p:sp>
@@ -7805,7 +7636,7 @@
           <a:lstStyle/>
           <a:p>
             <a:r>
-              <a:rPr lang="en-US" altLang="ko-KR" dirty="0" smtClean="0"/>
+              <a:rPr lang="en-US" altLang="ko-KR" dirty="0"/>
               <a:t>Blink example</a:t>
             </a:r>
             <a:endParaRPr lang="en-US" dirty="0"/>
@@ -7900,10 +7731,9 @@
           <a:lstStyle/>
           <a:p>
             <a:r>
-              <a:rPr lang="en-US" dirty="0" smtClean="0"/>
+              <a:rPr lang="en-US" dirty="0"/>
               <a:t>Verify and upload</a:t>
             </a:r>
-            <a:endParaRPr lang="en-US" dirty="0"/>
           </a:p>
         </p:txBody>
       </p:sp>
@@ -7967,17 +7797,16 @@
           <a:p>
             <a:pPr algn="ctr"/>
             <a:r>
-              <a:rPr lang="en-US" dirty="0" smtClean="0"/>
+              <a:rPr lang="en-US" dirty="0"/>
               <a:t>Combine &amp;</a:t>
             </a:r>
             <a:br>
-              <a:rPr lang="en-US" dirty="0" smtClean="0"/>
+              <a:rPr lang="en-US" dirty="0"/>
             </a:br>
             <a:r>
-              <a:rPr lang="en-US" dirty="0" smtClean="0"/>
+              <a:rPr lang="en-US" dirty="0"/>
               <a:t>transform</a:t>
             </a:r>
-            <a:endParaRPr lang="en-US" dirty="0"/>
           </a:p>
         </p:txBody>
       </p:sp>
@@ -8018,10 +7847,9 @@
           <a:p>
             <a:pPr algn="ctr"/>
             <a:r>
-              <a:rPr lang="en-US" dirty="0" smtClean="0"/>
+              <a:rPr lang="en-US" dirty="0"/>
               <a:t>Compile</a:t>
             </a:r>
-            <a:endParaRPr lang="en-US" dirty="0"/>
           </a:p>
         </p:txBody>
       </p:sp>
@@ -8062,10 +7890,9 @@
           <a:p>
             <a:pPr algn="ctr"/>
             <a:r>
-              <a:rPr lang="en-US" dirty="0" smtClean="0"/>
+              <a:rPr lang="en-US" dirty="0"/>
               <a:t>Link</a:t>
             </a:r>
-            <a:endParaRPr lang="en-US" dirty="0"/>
           </a:p>
         </p:txBody>
       </p:sp>
@@ -8106,10 +7933,9 @@
           <a:p>
             <a:pPr algn="ctr"/>
             <a:r>
-              <a:rPr lang="en-US" dirty="0" smtClean="0"/>
+              <a:rPr lang="en-US" dirty="0"/>
               <a:t>HEX file creation</a:t>
             </a:r>
-            <a:endParaRPr lang="en-US" dirty="0"/>
           </a:p>
         </p:txBody>
       </p:sp>
@@ -8150,10 +7976,9 @@
           <a:p>
             <a:pPr algn="ctr"/>
             <a:r>
-              <a:rPr lang="en-US" dirty="0" smtClean="0"/>
+              <a:rPr lang="en-US" dirty="0"/>
               <a:t>Code</a:t>
             </a:r>
-            <a:endParaRPr lang="en-US" dirty="0"/>
           </a:p>
         </p:txBody>
       </p:sp>
@@ -8194,10 +8019,9 @@
           <a:p>
             <a:pPr algn="ctr"/>
             <a:r>
-              <a:rPr lang="en-US" dirty="0" smtClean="0"/>
+              <a:rPr lang="en-US" dirty="0"/>
               <a:t>Libraries</a:t>
             </a:r>
-            <a:endParaRPr lang="en-US" dirty="0"/>
           </a:p>
         </p:txBody>
       </p:sp>
@@ -8238,10 +8062,9 @@
           <a:p>
             <a:pPr algn="ctr"/>
             <a:r>
-              <a:rPr lang="en-US" dirty="0" smtClean="0"/>
+              <a:rPr lang="en-US" dirty="0"/>
               <a:t>HEX</a:t>
             </a:r>
-            <a:endParaRPr lang="en-US" dirty="0"/>
           </a:p>
         </p:txBody>
       </p:sp>
@@ -8594,10 +8417,9 @@
           <a:p>
             <a:pPr algn="ctr"/>
             <a:r>
-              <a:rPr lang="en-US" dirty="0" smtClean="0"/>
+              <a:rPr lang="en-US" dirty="0"/>
               <a:t>Upload</a:t>
             </a:r>
-            <a:endParaRPr lang="en-US" dirty="0"/>
           </a:p>
         </p:txBody>
       </p:sp>
@@ -8725,10 +8547,9 @@
           <a:lstStyle/>
           <a:p>
             <a:r>
-              <a:rPr lang="en-US" dirty="0" smtClean="0"/>
+              <a:rPr lang="en-US" dirty="0"/>
               <a:t>Delay</a:t>
             </a:r>
-            <a:endParaRPr lang="en-US" dirty="0"/>
           </a:p>
         </p:txBody>
       </p:sp>
@@ -8753,26 +8574,109 @@
               <a:buNone/>
             </a:pPr>
             <a:r>
-              <a:rPr lang="en-US" dirty="0" smtClean="0">
+              <a:rPr lang="en-US" dirty="0">
                 <a:latin typeface="Courier New" panose="02070309020205020404" pitchFamily="49" charset="0"/>
                 <a:cs typeface="Courier New" panose="02070309020205020404" pitchFamily="49" charset="0"/>
               </a:rPr>
               <a:t>void delay(</a:t>
             </a:r>
             <a:r>
-              <a:rPr lang="en-US" dirty="0" err="1" smtClean="0">
+              <a:rPr lang="en-US" dirty="0" err="1">
                 <a:latin typeface="Courier New" panose="02070309020205020404" pitchFamily="49" charset="0"/>
                 <a:cs typeface="Courier New" panose="02070309020205020404" pitchFamily="49" charset="0"/>
               </a:rPr>
               <a:t>msec</a:t>
             </a:r>
             <a:r>
-              <a:rPr lang="en-US" dirty="0" smtClean="0">
+              <a:rPr lang="en-US" dirty="0">
                 <a:latin typeface="Courier New" panose="02070309020205020404" pitchFamily="49" charset="0"/>
                 <a:cs typeface="Courier New" panose="02070309020205020404" pitchFamily="49" charset="0"/>
               </a:rPr>
               <a:t>)</a:t>
             </a:r>
+          </a:p>
+          <a:p>
+            <a:pPr lvl="1"/>
+            <a:r>
+              <a:rPr lang="en-US" dirty="0"/>
+              <a:t>Pauses the program for </a:t>
+            </a:r>
+            <a:r>
+              <a:rPr lang="en-US" dirty="0" err="1"/>
+              <a:t>msec</a:t>
+            </a:r>
+            <a:r>
+              <a:rPr lang="en-US" dirty="0"/>
+              <a:t> milliseconds</a:t>
+            </a:r>
+          </a:p>
+          <a:p>
+            <a:pPr lvl="1"/>
+            <a:r>
+              <a:rPr lang="en-US" dirty="0"/>
+              <a:t>Useful for human interaction</a:t>
+            </a:r>
+          </a:p>
+          <a:p>
+            <a:r>
+              <a:rPr lang="en-US" dirty="0"/>
+              <a:t>Example</a:t>
+            </a:r>
+          </a:p>
+          <a:p>
+            <a:pPr marL="457200" lvl="1" indent="0">
+              <a:buNone/>
+            </a:pPr>
+            <a:r>
+              <a:rPr lang="en-US" dirty="0" err="1">
+                <a:latin typeface="Courier New" panose="02070309020205020404" pitchFamily="49" charset="0"/>
+                <a:cs typeface="Courier New" panose="02070309020205020404" pitchFamily="49" charset="0"/>
+              </a:rPr>
+              <a:t>digitalWrite</a:t>
+            </a:r>
+            <a:r>
+              <a:rPr lang="en-US" dirty="0">
+                <a:latin typeface="Courier New" panose="02070309020205020404" pitchFamily="49" charset="0"/>
+                <a:cs typeface="Courier New" panose="02070309020205020404" pitchFamily="49" charset="0"/>
+              </a:rPr>
+              <a:t>(3, HIGH);</a:t>
+            </a:r>
+          </a:p>
+          <a:p>
+            <a:pPr marL="457200" lvl="1" indent="0">
+              <a:buNone/>
+            </a:pPr>
+            <a:r>
+              <a:rPr lang="en-US" dirty="0">
+                <a:latin typeface="Courier New" panose="02070309020205020404" pitchFamily="49" charset="0"/>
+                <a:cs typeface="Courier New" panose="02070309020205020404" pitchFamily="49" charset="0"/>
+              </a:rPr>
+              <a:t>delay(1000);</a:t>
+            </a:r>
+          </a:p>
+          <a:p>
+            <a:pPr marL="457200" lvl="1" indent="0">
+              <a:buNone/>
+            </a:pPr>
+            <a:r>
+              <a:rPr lang="en-US" dirty="0" err="1">
+                <a:latin typeface="Courier New" panose="02070309020205020404" pitchFamily="49" charset="0"/>
+                <a:cs typeface="Courier New" panose="02070309020205020404" pitchFamily="49" charset="0"/>
+              </a:rPr>
+              <a:t>digitalWrite</a:t>
+            </a:r>
+            <a:r>
+              <a:rPr lang="en-US" dirty="0">
+                <a:latin typeface="Courier New" panose="02070309020205020404" pitchFamily="49" charset="0"/>
+                <a:cs typeface="Courier New" panose="02070309020205020404" pitchFamily="49" charset="0"/>
+              </a:rPr>
+              <a:t>(3,LOW);</a:t>
+            </a:r>
+          </a:p>
+          <a:p>
+            <a:pPr marL="457200" lvl="1" indent="0">
+              <a:buNone/>
+            </a:pPr>
             <a:endParaRPr lang="en-US" dirty="0">
               <a:latin typeface="Courier New" panose="02070309020205020404" pitchFamily="49" charset="0"/>
               <a:cs typeface="Courier New" panose="02070309020205020404" pitchFamily="49" charset="0"/>
@@ -8781,119 +8685,20 @@
           <a:p>
             <a:pPr lvl="1"/>
             <a:r>
-              <a:rPr lang="en-US" dirty="0" smtClean="0"/>
-              <a:t>Pauses the program for </a:t>
-            </a:r>
-            <a:r>
-              <a:rPr lang="en-US" dirty="0" err="1" smtClean="0"/>
-              <a:t>msec</a:t>
-            </a:r>
-            <a:r>
-              <a:rPr lang="en-US" dirty="0" smtClean="0"/>
-              <a:t> milliseconds</a:t>
-            </a:r>
-            <a:endParaRPr lang="en-US" dirty="0"/>
-          </a:p>
-          <a:p>
-            <a:pPr lvl="1"/>
-            <a:r>
-              <a:rPr lang="en-US" dirty="0" smtClean="0"/>
-              <a:t>Useful for human interaction</a:t>
-            </a:r>
-            <a:endParaRPr lang="en-US" dirty="0"/>
-          </a:p>
-          <a:p>
-            <a:r>
-              <a:rPr lang="en-US" dirty="0" smtClean="0"/>
-              <a:t>Example</a:t>
-            </a:r>
-            <a:endParaRPr lang="en-US" dirty="0"/>
-          </a:p>
-          <a:p>
-            <a:pPr marL="457200" lvl="1" indent="0">
-              <a:buNone/>
-            </a:pPr>
-            <a:r>
-              <a:rPr lang="en-US" dirty="0" err="1" smtClean="0">
-                <a:latin typeface="Courier New" panose="02070309020205020404" pitchFamily="49" charset="0"/>
-                <a:cs typeface="Courier New" panose="02070309020205020404" pitchFamily="49" charset="0"/>
-              </a:rPr>
-              <a:t>digitalWrite</a:t>
-            </a:r>
-            <a:r>
-              <a:rPr lang="en-US" dirty="0" smtClean="0">
-                <a:latin typeface="Courier New" panose="02070309020205020404" pitchFamily="49" charset="0"/>
-                <a:cs typeface="Courier New" panose="02070309020205020404" pitchFamily="49" charset="0"/>
-              </a:rPr>
-              <a:t>(3, HIGH);</a:t>
-            </a:r>
-          </a:p>
-          <a:p>
-            <a:pPr marL="457200" lvl="1" indent="0">
-              <a:buNone/>
-            </a:pPr>
-            <a:r>
-              <a:rPr lang="en-US" dirty="0" smtClean="0">
-                <a:latin typeface="Courier New" panose="02070309020205020404" pitchFamily="49" charset="0"/>
-                <a:cs typeface="Courier New" panose="02070309020205020404" pitchFamily="49" charset="0"/>
-              </a:rPr>
-              <a:t>delay(1000);</a:t>
-            </a:r>
-            <a:endParaRPr lang="en-US" dirty="0">
-              <a:latin typeface="Courier New" panose="02070309020205020404" pitchFamily="49" charset="0"/>
-              <a:cs typeface="Courier New" panose="02070309020205020404" pitchFamily="49" charset="0"/>
-            </a:endParaRPr>
-          </a:p>
-          <a:p>
-            <a:pPr marL="457200" lvl="1" indent="0">
-              <a:buNone/>
-            </a:pPr>
-            <a:r>
-              <a:rPr lang="en-US" dirty="0" err="1" smtClean="0">
-                <a:latin typeface="Courier New" panose="02070309020205020404" pitchFamily="49" charset="0"/>
-                <a:cs typeface="Courier New" panose="02070309020205020404" pitchFamily="49" charset="0"/>
-              </a:rPr>
-              <a:t>digitalWrite</a:t>
-            </a:r>
-            <a:r>
-              <a:rPr lang="en-US" dirty="0" smtClean="0">
-                <a:latin typeface="Courier New" panose="02070309020205020404" pitchFamily="49" charset="0"/>
-                <a:cs typeface="Courier New" panose="02070309020205020404" pitchFamily="49" charset="0"/>
-              </a:rPr>
-              <a:t>(3,LOW);</a:t>
-            </a:r>
-            <a:endParaRPr lang="en-US" dirty="0">
-              <a:latin typeface="Courier New" panose="02070309020205020404" pitchFamily="49" charset="0"/>
-              <a:cs typeface="Courier New" panose="02070309020205020404" pitchFamily="49" charset="0"/>
-            </a:endParaRPr>
-          </a:p>
-          <a:p>
-            <a:pPr marL="457200" lvl="1" indent="0">
-              <a:buNone/>
-            </a:pPr>
-            <a:endParaRPr lang="en-US" dirty="0" smtClean="0">
-              <a:latin typeface="Courier New" panose="02070309020205020404" pitchFamily="49" charset="0"/>
-              <a:cs typeface="Courier New" panose="02070309020205020404" pitchFamily="49" charset="0"/>
-            </a:endParaRPr>
-          </a:p>
-          <a:p>
-            <a:pPr lvl="1"/>
-            <a:r>
-              <a:rPr lang="en-US" dirty="0" smtClean="0"/>
+              <a:rPr lang="en-US" dirty="0"/>
               <a:t>Pin 3 is </a:t>
             </a:r>
             <a:r>
-              <a:rPr lang="en-US" dirty="0" smtClean="0">
+              <a:rPr lang="en-US" dirty="0">
                 <a:latin typeface="Courier New" panose="02070309020205020404" pitchFamily="49" charset="0"/>
                 <a:cs typeface="Courier New" panose="02070309020205020404" pitchFamily="49" charset="0"/>
               </a:rPr>
               <a:t>HIGH</a:t>
             </a:r>
             <a:r>
-              <a:rPr lang="en-US" dirty="0" smtClean="0"/>
+              <a:rPr lang="en-US" dirty="0"/>
               <a:t> for 1 second</a:t>
             </a:r>
-            <a:endParaRPr lang="en-US" dirty="0"/>
           </a:p>
         </p:txBody>
       </p:sp>
@@ -8966,10 +8771,9 @@
           <a:lstStyle/>
           <a:p>
             <a:r>
-              <a:rPr lang="en-US" dirty="0" smtClean="0"/>
+              <a:rPr lang="en-US" dirty="0"/>
               <a:t>Blink example</a:t>
             </a:r>
-            <a:endParaRPr lang="en-US" dirty="0"/>
           </a:p>
         </p:txBody>
       </p:sp>
@@ -8989,67 +8793,43 @@
           <a:lstStyle/>
           <a:p>
             <a:r>
-              <a:rPr lang="en-US" dirty="0" smtClean="0"/>
+              <a:rPr lang="en-US" dirty="0"/>
               <a:t>Blink is the generic simple example for embedded systems</a:t>
             </a:r>
           </a:p>
           <a:p>
             <a:pPr lvl="1"/>
             <a:r>
-              <a:rPr lang="en-US" dirty="0" smtClean="0"/>
+              <a:rPr lang="en-US" dirty="0"/>
               <a:t>Like “hello, world”</a:t>
             </a:r>
           </a:p>
           <a:p>
             <a:r>
-              <a:rPr lang="en-US" dirty="0" smtClean="0"/>
+              <a:rPr lang="en-US" dirty="0"/>
               <a:t>File</a:t>
             </a:r>
             <a:r>
-              <a:rPr lang="en-US" dirty="0" smtClean="0">
+              <a:rPr lang="en-US" dirty="0">
                 <a:sym typeface="Wingdings" panose="05000000000000000000" pitchFamily="2" charset="2"/>
               </a:rPr>
-              <a:t>Examples</a:t>
-            </a:r>
-            <a:r>
-              <a:rPr lang="en-US" dirty="0" smtClean="0">
+              <a:t>Examples01.BasicBlink</a:t>
+            </a:r>
+          </a:p>
+          <a:p>
+            <a:r>
+              <a:rPr lang="en-US" dirty="0">
                 <a:sym typeface="Wingdings" panose="05000000000000000000" pitchFamily="2" charset="2"/>
               </a:rPr>
-              <a:t>01.Basic</a:t>
-            </a:r>
-            <a:r>
-              <a:rPr lang="en-US" dirty="0" smtClean="0">
+              <a:t>Causes an LED to blink</a:t>
+            </a:r>
+          </a:p>
+          <a:p>
+            <a:r>
+              <a:rPr lang="en-US" dirty="0">
                 <a:sym typeface="Wingdings" panose="05000000000000000000" pitchFamily="2" charset="2"/>
               </a:rPr>
-              <a:t>Blink</a:t>
-            </a:r>
-          </a:p>
-          <a:p>
-            <a:r>
-              <a:rPr lang="en-US" dirty="0" smtClean="0">
-                <a:sym typeface="Wingdings" panose="05000000000000000000" pitchFamily="2" charset="2"/>
-              </a:rPr>
-              <a:t>Causes an LED to blink</a:t>
-            </a:r>
-          </a:p>
-          <a:p>
-            <a:r>
-              <a:rPr lang="en-US" dirty="0" smtClean="0">
-                <a:sym typeface="Wingdings" panose="05000000000000000000" pitchFamily="2" charset="2"/>
-              </a:rPr>
-              <a:t>LED is </a:t>
-            </a:r>
-            <a:r>
-              <a:rPr lang="en-US" dirty="0" smtClean="0">
-                <a:sym typeface="Wingdings" panose="05000000000000000000" pitchFamily="2" charset="2"/>
-              </a:rPr>
-              <a:t>built-in</a:t>
-            </a:r>
-            <a:r>
-              <a:rPr lang="en-US" dirty="0" smtClean="0">
-                <a:sym typeface="Wingdings" panose="05000000000000000000" pitchFamily="2" charset="2"/>
-              </a:rPr>
-              <a:t>, so no wiring required</a:t>
+              <a:t>LED is built-in, so no wiring required</a:t>
             </a:r>
             <a:endParaRPr lang="en-US" dirty="0"/>
           </a:p>
@@ -9131,10 +8911,9 @@
           <a:lstStyle/>
           <a:p>
             <a:r>
-              <a:rPr lang="en-US" dirty="0" smtClean="0"/>
+              <a:rPr lang="en-US" dirty="0"/>
               <a:t>Connected to pin 13</a:t>
             </a:r>
-            <a:endParaRPr lang="en-US" dirty="0"/>
           </a:p>
         </p:txBody>
       </p:sp>
@@ -9268,10 +9047,9 @@
           <a:lstStyle/>
           <a:p>
             <a:r>
-              <a:rPr lang="en-US" dirty="0" smtClean="0"/>
+              <a:rPr lang="en-US" dirty="0"/>
               <a:t>Blink sketch</a:t>
             </a:r>
-            <a:endParaRPr lang="en-US" dirty="0"/>
           </a:p>
         </p:txBody>
       </p:sp>
@@ -9300,14 +9078,7 @@
                 <a:latin typeface="Courier New" panose="02070309020205020404" pitchFamily="49" charset="0"/>
                 <a:cs typeface="Courier New" panose="02070309020205020404" pitchFamily="49" charset="0"/>
               </a:rPr>
-              <a:t>v</a:t>
-            </a:r>
-            <a:r>
-              <a:rPr lang="en-US" dirty="0" smtClean="0">
-                <a:latin typeface="Courier New" panose="02070309020205020404" pitchFamily="49" charset="0"/>
-                <a:cs typeface="Courier New" panose="02070309020205020404" pitchFamily="49" charset="0"/>
-              </a:rPr>
-              <a:t>oid setup() {</a:t>
+              <a:t>void setup() {</a:t>
             </a:r>
           </a:p>
           <a:p>
@@ -9322,14 +9093,14 @@
               <a:t>	</a:t>
             </a:r>
             <a:r>
-              <a:rPr lang="en-US" dirty="0" err="1" smtClean="0">
+              <a:rPr lang="en-US" dirty="0" err="1">
                 <a:latin typeface="Courier New" panose="02070309020205020404" pitchFamily="49" charset="0"/>
                 <a:cs typeface="Courier New" panose="02070309020205020404" pitchFamily="49" charset="0"/>
               </a:rPr>
               <a:t>pinMode</a:t>
             </a:r>
             <a:r>
-              <a:rPr lang="en-US" dirty="0" smtClean="0">
+              <a:rPr lang="en-US" dirty="0">
                 <a:latin typeface="Courier New" panose="02070309020205020404" pitchFamily="49" charset="0"/>
                 <a:cs typeface="Courier New" panose="02070309020205020404" pitchFamily="49" charset="0"/>
               </a:rPr>
@@ -9341,7 +9112,7 @@
               <a:buNone/>
             </a:pPr>
             <a:r>
-              <a:rPr lang="en-US" dirty="0" smtClean="0">
+              <a:rPr lang="en-US" dirty="0">
                 <a:latin typeface="Courier New" panose="02070309020205020404" pitchFamily="49" charset="0"/>
                 <a:cs typeface="Courier New" panose="02070309020205020404" pitchFamily="49" charset="0"/>
               </a:rPr>
@@ -9353,13 +9124,13 @@
               <a:buNone/>
             </a:pPr>
             <a:r>
-              <a:rPr lang="en-US" dirty="0" smtClean="0">
+              <a:rPr lang="en-US" dirty="0">
                 <a:latin typeface="Courier New" panose="02070309020205020404" pitchFamily="49" charset="0"/>
                 <a:cs typeface="Courier New" panose="02070309020205020404" pitchFamily="49" charset="0"/>
               </a:rPr>
               <a:t>void loop() {</a:t>
             </a:r>
-            <a:endParaRPr lang="en-US" dirty="0" smtClean="0"/>
+            <a:endParaRPr lang="en-US" dirty="0"/>
           </a:p>
           <a:p>
             <a:pPr marL="0" indent="0">
@@ -9373,14 +9144,14 @@
               <a:t>	</a:t>
             </a:r>
             <a:r>
-              <a:rPr lang="en-US" dirty="0" err="1" smtClean="0">
+              <a:rPr lang="en-US" dirty="0" err="1">
                 <a:latin typeface="Courier New" panose="02070309020205020404" pitchFamily="49" charset="0"/>
                 <a:cs typeface="Courier New" panose="02070309020205020404" pitchFamily="49" charset="0"/>
               </a:rPr>
               <a:t>digitalWrite</a:t>
             </a:r>
             <a:r>
-              <a:rPr lang="en-US" dirty="0" smtClean="0">
+              <a:rPr lang="en-US" dirty="0">
                 <a:latin typeface="Courier New" panose="02070309020205020404" pitchFamily="49" charset="0"/>
                 <a:cs typeface="Courier New" panose="02070309020205020404" pitchFamily="49" charset="0"/>
               </a:rPr>
@@ -9396,14 +9167,7 @@
                 <a:latin typeface="Courier New" panose="02070309020205020404" pitchFamily="49" charset="0"/>
                 <a:cs typeface="Courier New" panose="02070309020205020404" pitchFamily="49" charset="0"/>
               </a:rPr>
-              <a:t>	</a:t>
-            </a:r>
-            <a:r>
-              <a:rPr lang="en-US" dirty="0" smtClean="0">
-                <a:latin typeface="Courier New" panose="02070309020205020404" pitchFamily="49" charset="0"/>
-                <a:cs typeface="Courier New" panose="02070309020205020404" pitchFamily="49" charset="0"/>
-              </a:rPr>
-              <a:t>delay(1000);</a:t>
+              <a:t>	delay(1000);</a:t>
             </a:r>
           </a:p>
           <a:p>
@@ -9418,14 +9182,14 @@
               <a:t>	</a:t>
             </a:r>
             <a:r>
-              <a:rPr lang="en-US" dirty="0" err="1" smtClean="0">
+              <a:rPr lang="en-US" dirty="0" err="1">
                 <a:latin typeface="Courier New" panose="02070309020205020404" pitchFamily="49" charset="0"/>
                 <a:cs typeface="Courier New" panose="02070309020205020404" pitchFamily="49" charset="0"/>
               </a:rPr>
               <a:t>digitalWrite</a:t>
             </a:r>
             <a:r>
-              <a:rPr lang="en-US" dirty="0" smtClean="0">
+              <a:rPr lang="en-US" dirty="0">
                 <a:latin typeface="Courier New" panose="02070309020205020404" pitchFamily="49" charset="0"/>
                 <a:cs typeface="Courier New" panose="02070309020205020404" pitchFamily="49" charset="0"/>
               </a:rPr>
@@ -9444,14 +9208,14 @@
               <a:t>	</a:t>
             </a:r>
             <a:r>
-              <a:rPr lang="en-US" dirty="0" err="1" smtClean="0">
+              <a:rPr lang="en-US" dirty="0" err="1">
                 <a:latin typeface="Courier New" panose="02070309020205020404" pitchFamily="49" charset="0"/>
                 <a:cs typeface="Courier New" panose="02070309020205020404" pitchFamily="49" charset="0"/>
               </a:rPr>
               <a:t>delat</a:t>
             </a:r>
             <a:r>
-              <a:rPr lang="en-US" dirty="0" smtClean="0">
+              <a:rPr lang="en-US" dirty="0">
                 <a:latin typeface="Courier New" panose="02070309020205020404" pitchFamily="49" charset="0"/>
                 <a:cs typeface="Courier New" panose="02070309020205020404" pitchFamily="49" charset="0"/>
               </a:rPr>
@@ -9469,10 +9233,6 @@
               </a:rPr>
               <a:t>}</a:t>
             </a:r>
-            <a:endParaRPr lang="en-US" dirty="0" smtClean="0">
-              <a:latin typeface="Courier New" panose="02070309020205020404" pitchFamily="49" charset="0"/>
-              <a:cs typeface="Courier New" panose="02070309020205020404" pitchFamily="49" charset="0"/>
-            </a:endParaRPr>
           </a:p>
         </p:txBody>
       </p:sp>
@@ -9575,10 +9335,9 @@
           <a:lstStyle/>
           <a:p>
             <a:r>
-              <a:rPr lang="en-US" dirty="0" smtClean="0"/>
+              <a:rPr lang="en-US" dirty="0"/>
               <a:t>Lab</a:t>
             </a:r>
-            <a:endParaRPr lang="en-US" dirty="0"/>
           </a:p>
         </p:txBody>
       </p:sp>
@@ -9634,13 +9393,6 @@
   <p:clrMapOvr>
     <a:masterClrMapping/>
   </p:clrMapOvr>
-  <p:timing>
-    <p:tnLst>
-      <p:par>
-        <p:cTn id="1" dur="indefinite" restart="never" nodeType="tmRoot"/>
-      </p:par>
-    </p:tnLst>
-  </p:timing>
 </p:sld>
 </file>
 
@@ -9677,10 +9429,9 @@
           <a:lstStyle/>
           <a:p>
             <a:r>
-              <a:rPr lang="en-US" dirty="0" smtClean="0"/>
+              <a:rPr lang="en-US" dirty="0"/>
               <a:t>State change detection example</a:t>
             </a:r>
-            <a:endParaRPr lang="en-US" dirty="0"/>
           </a:p>
         </p:txBody>
       </p:sp>
@@ -9700,19 +9451,19 @@
           <a:lstStyle/>
           <a:p>
             <a:r>
-              <a:rPr lang="en-US" dirty="0" smtClean="0"/>
+              <a:rPr lang="en-US" dirty="0"/>
               <a:t>Connect to </a:t>
             </a:r>
             <a:r>
-              <a:rPr lang="en-US" dirty="0" err="1" smtClean="0"/>
+              <a:rPr lang="en-US" dirty="0" err="1"/>
               <a:t>Tinkercad</a:t>
             </a:r>
             <a:r>
-              <a:rPr lang="en-US" dirty="0" smtClean="0"/>
+              <a:rPr lang="en-US" dirty="0"/>
               <a:t> at </a:t>
             </a:r>
             <a:r>
-              <a:rPr lang="en-US" dirty="0" smtClean="0">
+              <a:rPr lang="en-US" dirty="0">
                 <a:latin typeface="Courier New" panose="02070309020205020404" pitchFamily="49" charset="0"/>
                 <a:cs typeface="Courier New" panose="02070309020205020404" pitchFamily="49" charset="0"/>
                 <a:hlinkClick r:id="rId2"/>
@@ -9720,44 +9471,44 @@
               <a:t>http://tinkercad.com</a:t>
             </a:r>
             <a:r>
-              <a:rPr lang="en-US" dirty="0" smtClean="0">
+              <a:rPr lang="en-US" dirty="0">
                 <a:latin typeface="Courier New" panose="02070309020205020404" pitchFamily="49" charset="0"/>
                 <a:cs typeface="Courier New" panose="02070309020205020404" pitchFamily="49" charset="0"/>
               </a:rPr>
               <a:t> </a:t>
             </a:r>
             <a:r>
-              <a:rPr lang="en-US" dirty="0" smtClean="0"/>
+              <a:rPr lang="en-US" dirty="0"/>
               <a:t>and log-in.</a:t>
             </a:r>
-            <a:endParaRPr lang="en-US" dirty="0" smtClean="0">
+            <a:endParaRPr lang="en-US" dirty="0">
               <a:latin typeface="Courier New" panose="02070309020205020404" pitchFamily="49" charset="0"/>
               <a:cs typeface="Courier New" panose="02070309020205020404" pitchFamily="49" charset="0"/>
             </a:endParaRPr>
           </a:p>
           <a:p>
             <a:r>
-              <a:rPr lang="en-US" dirty="0" smtClean="0"/>
+              <a:rPr lang="en-US" dirty="0"/>
               <a:t>Go to Circuits and click “Create new circuit” button.</a:t>
             </a:r>
           </a:p>
           <a:p>
             <a:r>
-              <a:rPr lang="en-US" dirty="0" smtClean="0"/>
+              <a:rPr lang="en-US" dirty="0"/>
               <a:t>Drag-and-drop the State change detection example from “</a:t>
             </a:r>
             <a:r>
-              <a:rPr lang="en-US" dirty="0" err="1" smtClean="0"/>
+              <a:rPr lang="en-US" dirty="0" err="1"/>
               <a:t>Arduino”</a:t>
             </a:r>
             <a:r>
-              <a:rPr lang="en-US" dirty="0" err="1" smtClean="0">
+              <a:rPr lang="en-US" dirty="0" err="1">
                 <a:sym typeface="Wingdings" panose="05000000000000000000" pitchFamily="2" charset="2"/>
               </a:rPr>
               <a:t>”State</a:t>
             </a:r>
             <a:r>
-              <a:rPr lang="en-US" dirty="0" smtClean="0">
+              <a:rPr lang="en-US" dirty="0">
                 <a:sym typeface="Wingdings" panose="05000000000000000000" pitchFamily="2" charset="2"/>
               </a:rPr>
               <a:t> change detection”.</a:t>
@@ -9765,7 +9516,7 @@
           </a:p>
           <a:p>
             <a:r>
-              <a:rPr lang="en-US" dirty="0" smtClean="0">
+              <a:rPr lang="en-US" dirty="0">
                 <a:sym typeface="Wingdings" panose="05000000000000000000" pitchFamily="2" charset="2"/>
               </a:rPr>
               <a:t>Examine the code and guess what it does.</a:t>
@@ -9773,7 +9524,7 @@
           </a:p>
           <a:p>
             <a:r>
-              <a:rPr lang="en-US" dirty="0" smtClean="0">
+              <a:rPr lang="en-US" dirty="0">
                 <a:sym typeface="Wingdings" panose="05000000000000000000" pitchFamily="2" charset="2"/>
               </a:rPr>
               <a:t>Start simulation to check if your guess was correct.</a:t>
@@ -9782,12 +9533,12 @@
           <a:p>
             <a:pPr lvl="1"/>
             <a:r>
-              <a:rPr lang="en-US" dirty="0" smtClean="0">
+              <a:rPr lang="en-US" dirty="0">
                 <a:sym typeface="Wingdings" panose="05000000000000000000" pitchFamily="2" charset="2"/>
               </a:rPr>
               <a:t>It counts the number of button press and turns on the built-in LED at every 4 presses.</a:t>
             </a:r>
-            <a:endParaRPr lang="en-US" dirty="0" smtClean="0"/>
+            <a:endParaRPr lang="en-US" dirty="0"/>
           </a:p>
         </p:txBody>
       </p:sp>
@@ -9824,13 +9575,6 @@
   <p:clrMapOvr>
     <a:masterClrMapping/>
   </p:clrMapOvr>
-  <p:timing>
-    <p:tnLst>
-      <p:par>
-        <p:cTn id="1" dur="indefinite" restart="never" nodeType="tmRoot"/>
-      </p:par>
-    </p:tnLst>
-  </p:timing>
 </p:sld>
 </file>
 
@@ -9867,14 +9611,13 @@
           <a:lstStyle/>
           <a:p>
             <a:r>
-              <a:rPr lang="en-US" dirty="0" err="1" smtClean="0"/>
+              <a:rPr lang="en-US" dirty="0" err="1"/>
               <a:t>Neopixel</a:t>
             </a:r>
             <a:r>
-              <a:rPr lang="en-US" dirty="0" smtClean="0"/>
+              <a:rPr lang="en-US" dirty="0"/>
               <a:t> example</a:t>
             </a:r>
-            <a:endParaRPr lang="en-US" dirty="0"/>
           </a:p>
         </p:txBody>
       </p:sp>
@@ -9894,19 +9637,19 @@
           <a:lstStyle/>
           <a:p>
             <a:r>
-              <a:rPr lang="en-US" dirty="0" smtClean="0"/>
+              <a:rPr lang="en-US" dirty="0"/>
               <a:t>Connect to </a:t>
             </a:r>
             <a:r>
-              <a:rPr lang="en-US" dirty="0" err="1" smtClean="0"/>
+              <a:rPr lang="en-US" dirty="0" err="1"/>
               <a:t>Tinkercad</a:t>
             </a:r>
             <a:r>
-              <a:rPr lang="en-US" dirty="0" smtClean="0"/>
+              <a:rPr lang="en-US" dirty="0"/>
               <a:t> at </a:t>
             </a:r>
             <a:r>
-              <a:rPr lang="en-US" dirty="0" smtClean="0">
+              <a:rPr lang="en-US" dirty="0">
                 <a:latin typeface="Courier New" panose="02070309020205020404" pitchFamily="49" charset="0"/>
                 <a:cs typeface="Courier New" panose="02070309020205020404" pitchFamily="49" charset="0"/>
                 <a:hlinkClick r:id="rId2"/>
@@ -9914,54 +9657,54 @@
               <a:t>http://tinkercad.com</a:t>
             </a:r>
             <a:r>
-              <a:rPr lang="en-US" dirty="0" smtClean="0">
+              <a:rPr lang="en-US" dirty="0">
                 <a:latin typeface="Courier New" panose="02070309020205020404" pitchFamily="49" charset="0"/>
                 <a:cs typeface="Courier New" panose="02070309020205020404" pitchFamily="49" charset="0"/>
               </a:rPr>
               <a:t> </a:t>
             </a:r>
             <a:r>
-              <a:rPr lang="en-US" dirty="0" smtClean="0"/>
+              <a:rPr lang="en-US" dirty="0"/>
               <a:t>and log-in.</a:t>
             </a:r>
-            <a:endParaRPr lang="en-US" dirty="0" smtClean="0">
+            <a:endParaRPr lang="en-US" dirty="0">
               <a:latin typeface="Courier New" panose="02070309020205020404" pitchFamily="49" charset="0"/>
               <a:cs typeface="Courier New" panose="02070309020205020404" pitchFamily="49" charset="0"/>
             </a:endParaRPr>
           </a:p>
           <a:p>
             <a:r>
-              <a:rPr lang="en-US" dirty="0" smtClean="0"/>
+              <a:rPr lang="en-US" dirty="0"/>
               <a:t>Go to Circuits and click “Create new circuit” button.</a:t>
             </a:r>
           </a:p>
           <a:p>
             <a:r>
-              <a:rPr lang="en-US" dirty="0" smtClean="0"/>
+              <a:rPr lang="en-US" dirty="0"/>
               <a:t>Drag-and-drop the </a:t>
             </a:r>
             <a:r>
-              <a:rPr lang="en-US" dirty="0" err="1" smtClean="0"/>
+              <a:rPr lang="en-US" dirty="0" err="1"/>
               <a:t>Neopixel</a:t>
             </a:r>
             <a:r>
-              <a:rPr lang="en-US" dirty="0" smtClean="0"/>
+              <a:rPr lang="en-US" dirty="0"/>
               <a:t> example from “Arduino”</a:t>
             </a:r>
             <a:r>
-              <a:rPr lang="en-US" dirty="0" smtClean="0">
+              <a:rPr lang="en-US" dirty="0">
                 <a:sym typeface="Wingdings" panose="05000000000000000000" pitchFamily="2" charset="2"/>
               </a:rPr>
               <a:t>”</a:t>
             </a:r>
             <a:r>
-              <a:rPr lang="en-US" dirty="0" err="1" smtClean="0">
+              <a:rPr lang="en-US" dirty="0" err="1">
                 <a:sym typeface="Wingdings" panose="05000000000000000000" pitchFamily="2" charset="2"/>
               </a:rPr>
               <a:t>Neopixel</a:t>
             </a:r>
             <a:r>
-              <a:rPr lang="en-US" dirty="0" smtClean="0">
+              <a:rPr lang="en-US" dirty="0">
                 <a:sym typeface="Wingdings" panose="05000000000000000000" pitchFamily="2" charset="2"/>
               </a:rPr>
               <a:t>”.</a:t>
@@ -9969,7 +9712,7 @@
           </a:p>
           <a:p>
             <a:r>
-              <a:rPr lang="en-US" dirty="0" smtClean="0">
+              <a:rPr lang="en-US" dirty="0">
                 <a:sym typeface="Wingdings" panose="05000000000000000000" pitchFamily="2" charset="2"/>
               </a:rPr>
               <a:t>Examine the code and guess what it does.</a:t>
@@ -9977,7 +9720,7 @@
           </a:p>
           <a:p>
             <a:r>
-              <a:rPr lang="en-US" dirty="0" smtClean="0">
+              <a:rPr lang="en-US" dirty="0">
                 <a:sym typeface="Wingdings" panose="05000000000000000000" pitchFamily="2" charset="2"/>
               </a:rPr>
               <a:t>Start simulation to check if your guess was correct.</a:t>
@@ -9986,24 +9729,24 @@
           <a:p>
             <a:pPr lvl="1"/>
             <a:r>
-              <a:rPr lang="en-US" dirty="0" smtClean="0">
+              <a:rPr lang="en-US" dirty="0">
                 <a:sym typeface="Wingdings" panose="05000000000000000000" pitchFamily="2" charset="2"/>
               </a:rPr>
               <a:t>It sequentially turns on the </a:t>
             </a:r>
             <a:r>
-              <a:rPr lang="en-US" dirty="0" err="1" smtClean="0">
+              <a:rPr lang="en-US" dirty="0" err="1">
                 <a:sym typeface="Wingdings" panose="05000000000000000000" pitchFamily="2" charset="2"/>
               </a:rPr>
               <a:t>Neopixel</a:t>
             </a:r>
             <a:r>
-              <a:rPr lang="en-US" dirty="0" smtClean="0">
+              <a:rPr lang="en-US" dirty="0">
                 <a:sym typeface="Wingdings" panose="05000000000000000000" pitchFamily="2" charset="2"/>
               </a:rPr>
               <a:t> LEDs with randomly varying colors.</a:t>
             </a:r>
-            <a:endParaRPr lang="en-US" dirty="0" smtClean="0"/>
+            <a:endParaRPr lang="en-US" dirty="0"/>
           </a:p>
         </p:txBody>
       </p:sp>
@@ -10040,13 +9783,6 @@
   <p:clrMapOvr>
     <a:masterClrMapping/>
   </p:clrMapOvr>
-  <p:timing>
-    <p:tnLst>
-      <p:par>
-        <p:cTn id="1" dur="indefinite" restart="never" nodeType="tmRoot"/>
-      </p:par>
-    </p:tnLst>
-  </p:timing>
 </p:sld>
 </file>
 
@@ -10083,14 +9819,13 @@
           <a:lstStyle/>
           <a:p>
             <a:r>
-              <a:rPr lang="en-US" dirty="0" err="1" smtClean="0"/>
+              <a:rPr lang="en-US" dirty="0" err="1"/>
               <a:t>Neopixel</a:t>
             </a:r>
             <a:r>
-              <a:rPr lang="en-US" dirty="0" smtClean="0"/>
+              <a:rPr lang="en-US" dirty="0"/>
               <a:t> with a button</a:t>
             </a:r>
-            <a:endParaRPr lang="en-US" dirty="0"/>
           </a:p>
         </p:txBody>
       </p:sp>
@@ -10110,44 +9845,43 @@
           <a:lstStyle/>
           <a:p>
             <a:r>
-              <a:rPr lang="en-US" dirty="0" smtClean="0"/>
+              <a:rPr lang="en-US" dirty="0"/>
               <a:t>Combine “State change detection” and “</a:t>
             </a:r>
             <a:r>
-              <a:rPr lang="en-US" dirty="0" err="1" smtClean="0"/>
+              <a:rPr lang="en-US" dirty="0" err="1"/>
               <a:t>Neopixel</a:t>
             </a:r>
             <a:r>
-              <a:rPr lang="en-US" dirty="0" smtClean="0"/>
+              <a:rPr lang="en-US" dirty="0"/>
               <a:t>” to have your simulator do the following.</a:t>
             </a:r>
           </a:p>
           <a:p>
             <a:pPr lvl="1"/>
             <a:r>
-              <a:rPr lang="en-US" dirty="0" smtClean="0"/>
+              <a:rPr lang="en-US" dirty="0"/>
               <a:t>When your Arduino is turned on, the </a:t>
             </a:r>
             <a:r>
-              <a:rPr lang="en-US" dirty="0" err="1" smtClean="0"/>
+              <a:rPr lang="en-US" dirty="0" err="1"/>
               <a:t>Neopixel</a:t>
             </a:r>
             <a:r>
-              <a:rPr lang="en-US" dirty="0" smtClean="0"/>
+              <a:rPr lang="en-US" dirty="0"/>
               <a:t> is sequentially turned on with random colors.</a:t>
             </a:r>
           </a:p>
           <a:p>
             <a:pPr lvl="1"/>
             <a:r>
-              <a:rPr lang="en-US" dirty="0" err="1" smtClean="0"/>
+              <a:rPr lang="en-US" dirty="0" err="1"/>
               <a:t>Neopixel</a:t>
             </a:r>
             <a:r>
-              <a:rPr lang="en-US" dirty="0" smtClean="0"/>
+              <a:rPr lang="en-US" dirty="0"/>
               <a:t> color changes when the number of button press increases (that is when the button status changes from “Released” to “Pushed”).</a:t>
             </a:r>
-            <a:endParaRPr lang="en-US" dirty="0"/>
           </a:p>
         </p:txBody>
       </p:sp>
@@ -10220,7 +9954,7 @@
           <a:lstStyle/>
           <a:p>
             <a:r>
-              <a:rPr lang="en-US" dirty="0" smtClean="0"/>
+              <a:rPr lang="en-US" dirty="0"/>
               <a:t>Combine and transform</a:t>
             </a:r>
             <a:endParaRPr lang="en-US" dirty="0">
@@ -10246,47 +9980,47 @@
           <a:lstStyle/>
           <a:p>
             <a:r>
-              <a:rPr lang="en-US" dirty="0" smtClean="0"/>
+              <a:rPr lang="en-US" dirty="0"/>
               <a:t>All program files are combined into one</a:t>
             </a:r>
           </a:p>
           <a:p>
             <a:r>
-              <a:rPr lang="en-US" dirty="0" smtClean="0"/>
+              <a:rPr lang="en-US" dirty="0"/>
               <a:t>An </a:t>
             </a:r>
             <a:r>
-              <a:rPr lang="en-US" dirty="0" smtClean="0">
+              <a:rPr lang="en-US" dirty="0">
                 <a:latin typeface="Courier New" panose="02070309020205020404" pitchFamily="49" charset="0"/>
                 <a:cs typeface="Courier New" panose="02070309020205020404" pitchFamily="49" charset="0"/>
               </a:rPr>
               <a:t>#include </a:t>
             </a:r>
             <a:r>
-              <a:rPr lang="en-US" dirty="0" smtClean="0"/>
+              <a:rPr lang="en-US" dirty="0"/>
               <a:t>is added to reference basic Arduino libraries</a:t>
             </a:r>
           </a:p>
           <a:p>
             <a:r>
-              <a:rPr lang="en-US" dirty="0" smtClean="0"/>
+              <a:rPr lang="en-US" dirty="0"/>
               <a:t>Function prototypes are added</a:t>
             </a:r>
           </a:p>
           <a:p>
             <a:r>
-              <a:rPr lang="en-US" dirty="0" smtClean="0"/>
+              <a:rPr lang="en-US" dirty="0"/>
               <a:t>A </a:t>
             </a:r>
             <a:r>
-              <a:rPr lang="en-US" dirty="0" smtClean="0">
+              <a:rPr lang="en-US" dirty="0">
                 <a:latin typeface="Courier New" panose="02070309020205020404" pitchFamily="49" charset="0"/>
                 <a:cs typeface="Courier New" panose="02070309020205020404" pitchFamily="49" charset="0"/>
               </a:rPr>
               <a:t>main()</a:t>
             </a:r>
             <a:r>
-              <a:rPr lang="en-US" dirty="0" smtClean="0"/>
+              <a:rPr lang="en-US" dirty="0"/>
               <a:t> function is created</a:t>
             </a:r>
             <a:endParaRPr lang="en-US" dirty="0">
@@ -10365,7 +10099,7 @@
           <a:lstStyle/>
           <a:p>
             <a:r>
-              <a:rPr lang="en-US" altLang="ko-KR" dirty="0" smtClean="0"/>
+              <a:rPr lang="en-US" altLang="ko-KR" dirty="0"/>
               <a:t>Cross-compilation</a:t>
             </a:r>
             <a:endParaRPr lang="en-US" dirty="0"/>
@@ -10460,7 +10194,7 @@
           <a:lstStyle/>
           <a:p>
             <a:r>
-              <a:rPr lang="en-US" dirty="0" smtClean="0"/>
+              <a:rPr lang="en-US" dirty="0"/>
               <a:t>Compile and link</a:t>
             </a:r>
             <a:endParaRPr lang="en-US" dirty="0">
@@ -10490,51 +10224,44 @@
                 <a:latin typeface="Courier New" panose="02070309020205020404" pitchFamily="49" charset="0"/>
                 <a:cs typeface="Courier New" panose="02070309020205020404" pitchFamily="49" charset="0"/>
               </a:rPr>
-              <a:t>a</a:t>
-            </a:r>
-            <a:r>
-              <a:rPr lang="en-US" dirty="0" err="1" smtClean="0">
-                <a:latin typeface="Courier New" panose="02070309020205020404" pitchFamily="49" charset="0"/>
-                <a:cs typeface="Courier New" panose="02070309020205020404" pitchFamily="49" charset="0"/>
-              </a:rPr>
-              <a:t>vr-gcc</a:t>
-            </a:r>
-            <a:r>
-              <a:rPr lang="en-US" dirty="0" smtClean="0"/>
+              <a:t>avr-gcc</a:t>
+            </a:r>
+            <a:r>
+              <a:rPr lang="en-US" dirty="0"/>
               <a:t> is invoked to cross-compile the code</a:t>
             </a:r>
           </a:p>
           <a:p>
             <a:r>
-              <a:rPr lang="en-US" dirty="0" smtClean="0"/>
+              <a:rPr lang="en-US" dirty="0"/>
               <a:t>Resulting code executes on AVR, not on Intel</a:t>
             </a:r>
           </a:p>
           <a:p>
             <a:r>
-              <a:rPr lang="en-US" dirty="0" smtClean="0"/>
+              <a:rPr lang="en-US" dirty="0"/>
               <a:t>Generates an object file (</a:t>
             </a:r>
             <a:r>
-              <a:rPr lang="en-US" dirty="0" smtClean="0">
+              <a:rPr lang="en-US" dirty="0">
                 <a:latin typeface="Courier New" panose="02070309020205020404" pitchFamily="49" charset="0"/>
                 <a:cs typeface="Courier New" panose="02070309020205020404" pitchFamily="49" charset="0"/>
               </a:rPr>
               <a:t>.o</a:t>
             </a:r>
             <a:r>
-              <a:rPr lang="en-US" dirty="0" smtClean="0"/>
+              <a:rPr lang="en-US" dirty="0"/>
               <a:t>) </a:t>
             </a:r>
           </a:p>
           <a:p>
             <a:r>
-              <a:rPr lang="en-US" dirty="0" smtClean="0"/>
+              <a:rPr lang="en-US" dirty="0"/>
               <a:t>Object file is linked to Arduino library functions</a:t>
             </a:r>
           </a:p>
           <a:p>
-            <a:endParaRPr lang="en-US" dirty="0" smtClean="0"/>
+            <a:endParaRPr lang="en-US" dirty="0"/>
           </a:p>
         </p:txBody>
       </p:sp>
@@ -10607,10 +10334,9 @@
           <a:lstStyle/>
           <a:p>
             <a:r>
-              <a:rPr lang="en-US" dirty="0" smtClean="0"/>
+              <a:rPr lang="en-US" dirty="0"/>
               <a:t>Hex file creation and programming</a:t>
             </a:r>
-            <a:endParaRPr lang="en-US" dirty="0"/>
           </a:p>
         </p:txBody>
       </p:sp>
@@ -10630,45 +10356,44 @@
           <a:lstStyle/>
           <a:p>
             <a:r>
-              <a:rPr lang="en-US" dirty="0" err="1" smtClean="0">
+              <a:rPr lang="en-US" dirty="0" err="1">
                 <a:latin typeface="Courier New" panose="02070309020205020404" pitchFamily="49" charset="0"/>
                 <a:cs typeface="Courier New" panose="02070309020205020404" pitchFamily="49" charset="0"/>
               </a:rPr>
               <a:t>Avr-objcopy</a:t>
             </a:r>
             <a:r>
-              <a:rPr lang="en-US" dirty="0" smtClean="0"/>
+              <a:rPr lang="en-US" dirty="0"/>
               <a:t> is invoked to change the format of the executable file</a:t>
             </a:r>
           </a:p>
           <a:p>
             <a:r>
-              <a:rPr lang="en-US" dirty="0" smtClean="0"/>
+              <a:rPr lang="en-US" dirty="0"/>
               <a:t>A </a:t>
             </a:r>
             <a:r>
-              <a:rPr lang="en-US" dirty="0" smtClean="0">
+              <a:rPr lang="en-US" dirty="0">
                 <a:latin typeface="Courier New" panose="02070309020205020404" pitchFamily="49" charset="0"/>
                 <a:cs typeface="Courier New" panose="02070309020205020404" pitchFamily="49" charset="0"/>
               </a:rPr>
               <a:t>.hex </a:t>
             </a:r>
             <a:r>
-              <a:rPr lang="en-US" dirty="0" smtClean="0"/>
+              <a:rPr lang="en-US" dirty="0"/>
               <a:t>file is generated from the </a:t>
             </a:r>
             <a:r>
-              <a:rPr lang="en-US" dirty="0" smtClean="0">
+              <a:rPr lang="en-US" dirty="0">
                 <a:latin typeface="Courier New" panose="02070309020205020404" pitchFamily="49" charset="0"/>
                 <a:cs typeface="Courier New" panose="02070309020205020404" pitchFamily="49" charset="0"/>
               </a:rPr>
               <a:t>.elf </a:t>
             </a:r>
             <a:r>
-              <a:rPr lang="en-US" dirty="0" smtClean="0"/>
+              <a:rPr lang="en-US" dirty="0"/>
               <a:t>file</a:t>
             </a:r>
-            <a:endParaRPr lang="en-US" dirty="0"/>
           </a:p>
         </p:txBody>
       </p:sp>
@@ -10741,7 +10466,7 @@
           <a:lstStyle/>
           <a:p>
             <a:r>
-              <a:rPr lang="en-US" altLang="ko-KR" dirty="0" smtClean="0"/>
+              <a:rPr lang="en-US" altLang="ko-KR" dirty="0"/>
               <a:t>Arduino sketches</a:t>
             </a:r>
             <a:endParaRPr lang="en-US" dirty="0"/>
@@ -10836,7 +10561,7 @@
           <a:lstStyle/>
           <a:p>
             <a:r>
-              <a:rPr lang="en-US" dirty="0" smtClean="0"/>
+              <a:rPr lang="en-US" dirty="0"/>
               <a:t>Arduino programs</a:t>
             </a:r>
             <a:endParaRPr lang="en-US" dirty="0">
@@ -10864,13 +10589,13 @@
           <a:lstStyle/>
           <a:p>
             <a:r>
-              <a:rPr lang="en-US" dirty="0" smtClean="0"/>
+              <a:rPr lang="en-US" dirty="0"/>
               <a:t>A program is called a sketch</a:t>
             </a:r>
           </a:p>
           <a:p>
             <a:r>
-              <a:rPr lang="en-US" dirty="0" smtClean="0">
+              <a:rPr lang="en-US" dirty="0">
                 <a:cs typeface="Courier New" panose="02070309020205020404" pitchFamily="49" charset="0"/>
               </a:rPr>
               <a:t>C++ program using Arduino library functions</a:t>
@@ -10878,7 +10603,7 @@
           </a:p>
           <a:p>
             <a:r>
-              <a:rPr lang="en-US" dirty="0" smtClean="0">
+              <a:rPr lang="en-US" dirty="0">
                 <a:cs typeface="Courier New" panose="02070309020205020404" pitchFamily="49" charset="0"/>
               </a:rPr>
               <a:t>C++ is a superset of C</a:t>
@@ -10887,25 +10612,19 @@
           <a:p>
             <a:pPr lvl="1"/>
             <a:r>
-              <a:rPr lang="en-US" dirty="0" smtClean="0">
+              <a:rPr lang="en-US" dirty="0">
                 <a:cs typeface="Courier New" panose="02070309020205020404" pitchFamily="49" charset="0"/>
               </a:rPr>
               <a:t>All C programs are legal C++</a:t>
             </a:r>
-            <a:endParaRPr lang="en-US" dirty="0">
-              <a:cs typeface="Courier New" panose="02070309020205020404" pitchFamily="49" charset="0"/>
-            </a:endParaRPr>
-          </a:p>
-          <a:p>
-            <a:r>
-              <a:rPr lang="en-US" dirty="0" smtClean="0">
+          </a:p>
+          <a:p>
+            <a:r>
+              <a:rPr lang="en-US" dirty="0">
                 <a:cs typeface="Courier New" panose="02070309020205020404" pitchFamily="49" charset="0"/>
               </a:rPr>
               <a:t>C++ also includes classes</a:t>
             </a:r>
-            <a:endParaRPr lang="en-US" dirty="0">
-              <a:cs typeface="Courier New" panose="02070309020205020404" pitchFamily="49" charset="0"/>
-            </a:endParaRPr>
           </a:p>
         </p:txBody>
       </p:sp>

--- a/ee212/3_Arduino_programs.pptx
+++ b/ee212/3_Arduino_programs.pptx
@@ -3733,18 +3733,39 @@
               <a:buNone/>
             </a:pPr>
             <a:r>
-              <a:rPr lang="en-US" dirty="0" err="1">
-                <a:latin typeface="Courier New" panose="02070309020205020404" pitchFamily="49" charset="0"/>
-                <a:cs typeface="Courier New" panose="02070309020205020404" pitchFamily="49" charset="0"/>
-              </a:rPr>
-              <a:t>int</a:t>
-            </a:r>
-            <a:r>
-              <a:rPr lang="en-US" dirty="0">
-                <a:latin typeface="Courier New" panose="02070309020205020404" pitchFamily="49" charset="0"/>
-                <a:cs typeface="Courier New" panose="02070309020205020404" pitchFamily="49" charset="0"/>
-              </a:rPr>
-              <a:t> x, y;				point p1;</a:t>
+              <a:rPr lang="en-US" dirty="0">
+                <a:latin typeface="Courier New" panose="02070309020205020404" pitchFamily="49" charset="0"/>
+                <a:cs typeface="Courier New" panose="02070309020205020404" pitchFamily="49" charset="0"/>
+              </a:rPr>
+              <a:t>int x</a:t>
+            </a:r>
+            <a:r>
+              <a:rPr lang="en-US" altLang="ko-KR" dirty="0">
+                <a:latin typeface="Courier New" panose="02070309020205020404" pitchFamily="49" charset="0"/>
+                <a:cs typeface="Courier New" panose="02070309020205020404" pitchFamily="49" charset="0"/>
+              </a:rPr>
+              <a:t>1</a:t>
+            </a:r>
+            <a:r>
+              <a:rPr lang="en-US" dirty="0">
+                <a:latin typeface="Courier New" panose="02070309020205020404" pitchFamily="49" charset="0"/>
+                <a:cs typeface="Courier New" panose="02070309020205020404" pitchFamily="49" charset="0"/>
+              </a:rPr>
+              <a:t>, y</a:t>
+            </a:r>
+            <a:r>
+              <a:rPr lang="en-US" altLang="ko-KR" dirty="0">
+                <a:latin typeface="Courier New" panose="02070309020205020404" pitchFamily="49" charset="0"/>
+                <a:cs typeface="Courier New" panose="02070309020205020404" pitchFamily="49" charset="0"/>
+              </a:rPr>
+              <a:t>1</a:t>
+            </a:r>
+            <a:r>
+              <a:rPr lang="en-US" dirty="0">
+                <a:latin typeface="Courier New" panose="02070309020205020404" pitchFamily="49" charset="0"/>
+                <a:cs typeface="Courier New" panose="02070309020205020404" pitchFamily="49" charset="0"/>
+              </a:rPr>
+              <a:t>;				point p1;</a:t>
             </a:r>
           </a:p>
           <a:p>
